--- a/CS504 - Software Engineering - I/index.pptx
+++ b/CS504 - Software Engineering - I/index.pptx
@@ -5,11 +5,16 @@
     <p:sldMasterId id="2147483648" r:id="rId1"/>
   </p:sldMasterIdLst>
   <p:notesMasterIdLst>
-    <p:notesMasterId r:id="rId2"/>
+    <p:notesMasterId r:id="rId5"/>
   </p:notesMasterIdLst>
   <p:handoutMasterIdLst>
-    <p:handoutMasterId r:id="rId3"/>
+    <p:handoutMasterId r:id="rId6"/>
   </p:handoutMasterIdLst>
+  <p:sldIdLst>
+    <p:sldId id="256" r:id="rId2"/>
+    <p:sldId id="257" r:id="rId3"/>
+    <p:sldId id="258" r:id="rId4"/>
+  </p:sldIdLst>
   <p:sldSz cx="7556500" cy="10693400"/>
   <p:notesSz cx="7556500" cy="10693400"/>
   <p:defaultTextStyle>
@@ -211,7 +216,7 @@
           <a:p>
             <a:fld id="{73B7013F-820A-40F9-A768-7BEB4545385F}" type="datetimeFigureOut">
               <a:rPr lang="en-AU" smtClean="0"/>
-              <a:t>21/11/2016</a:t>
+              <a:t>22/11/2016</a:t>
             </a:fld>
             <a:endParaRPr lang="en-AU"/>
           </a:p>
@@ -376,7 +381,7 @@
           <a:p>
             <a:fld id="{39DC63A7-166E-4609-8B49-C8F2F7609287}" type="datetimeFigureOut">
               <a:rPr lang="en-AU" smtClean="0"/>
-              <a:t>21/11/2016</a:t>
+              <a:t>22/11/2016</a:t>
             </a:fld>
             <a:endParaRPr lang="en-AU"/>
           </a:p>
@@ -799,7 +804,7 @@
           <a:p>
             <a:fld id="{1D8BD707-D9CF-40AE-B4C6-C98DA3205C09}" type="datetimeFigureOut">
               <a:rPr lang="en-US"/>
-              <a:t>11/21/2016</a:t>
+              <a:t>11/22/2016</a:t>
             </a:fld>
             <a:endParaRPr lang="en-US"/>
           </a:p>
@@ -986,7 +991,7 @@
           <a:p>
             <a:fld id="{1D8BD707-D9CF-40AE-B4C6-C98DA3205C09}" type="datetimeFigureOut">
               <a:rPr lang="en-US"/>
-              <a:t>11/21/2016</a:t>
+              <a:t>11/22/2016</a:t>
             </a:fld>
             <a:endParaRPr lang="en-US"/>
           </a:p>
@@ -1216,7 +1221,7 @@
           <a:p>
             <a:fld id="{1D8BD707-D9CF-40AE-B4C6-C98DA3205C09}" type="datetimeFigureOut">
               <a:rPr lang="en-US"/>
-              <a:t>11/21/2016</a:t>
+              <a:t>11/22/2016</a:t>
             </a:fld>
             <a:endParaRPr lang="en-US"/>
           </a:p>
@@ -1380,7 +1385,7 @@
           <a:p>
             <a:fld id="{1D8BD707-D9CF-40AE-B4C6-C98DA3205C09}" type="datetimeFigureOut">
               <a:rPr lang="en-US"/>
-              <a:t>11/21/2016</a:t>
+              <a:t>11/22/2016</a:t>
             </a:fld>
             <a:endParaRPr lang="en-US"/>
           </a:p>
@@ -1521,7 +1526,7 @@
           <a:p>
             <a:fld id="{1D8BD707-D9CF-40AE-B4C6-C98DA3205C09}" type="datetimeFigureOut">
               <a:rPr lang="en-US"/>
-              <a:t>11/21/2016</a:t>
+              <a:t>11/22/2016</a:t>
             </a:fld>
             <a:endParaRPr lang="en-US"/>
           </a:p>
@@ -1756,7 +1761,7 @@
           <a:p>
             <a:fld id="{1D8BD707-D9CF-40AE-B4C6-C98DA3205C09}" type="datetimeFigureOut">
               <a:rPr lang="en-US"/>
-              <a:t>11/21/2016</a:t>
+              <a:t>11/22/2016</a:t>
             </a:fld>
             <a:endParaRPr lang="en-US"/>
           </a:p>
@@ -1962,6 +1967,4515 @@
     </p:otherStyle>
   </p:txStyles>
 </p:sldMaster>
+</file>
+
+<file path=ppt/slides/slide1.xml><?xml version="1.0" encoding="utf-8"?>
+<p:sld xmlns:a="http://schemas.openxmlformats.org/drawingml/2006/main" xmlns:r="http://schemas.openxmlformats.org/officeDocument/2006/relationships" xmlns:p="http://schemas.openxmlformats.org/presentationml/2006/main">
+  <p:cSld>
+    <p:spTree>
+      <p:nvGrpSpPr>
+        <p:cNvPr id="1" name=""/>
+        <p:cNvGrpSpPr/>
+        <p:nvPr/>
+      </p:nvGrpSpPr>
+      <p:grpSpPr>
+        <a:xfrm>
+          <a:off x="0" y="0"/>
+          <a:ext cx="0" cy="0"/>
+          <a:chOff x="0" y="0"/>
+          <a:chExt cx="0" cy="0"/>
+        </a:xfrm>
+      </p:grpSpPr>
+      <p:sp>
+        <p:nvSpPr>
+          <p:cNvPr id="2" name="object 2"/>
+          <p:cNvSpPr txBox="1"/>
+          <p:nvPr/>
+        </p:nvSpPr>
+        <p:spPr>
+          <a:xfrm>
+            <a:off x="812185" y="889846"/>
+            <a:ext cx="1964443" cy="179601"/>
+          </a:xfrm>
+          <a:prstGeom prst="rect">
+            <a:avLst/>
+          </a:prstGeom>
+        </p:spPr>
+        <p:txBody>
+          <a:bodyPr vert="horz" wrap="square" lIns="0" tIns="0" rIns="0" bIns="0" rtlCol="0">
+            <a:spAutoFit/>
+          </a:bodyPr>
+          <a:lstStyle/>
+          <a:p>
+            <a:pPr marL="12347"/>
+            <a:r>
+              <a:rPr sz="1167" spc="-5" dirty="0">
+                <a:latin typeface="Times New Roman"/>
+                <a:cs typeface="Times New Roman"/>
+              </a:rPr>
+              <a:t>CS504-Software Engineering </a:t>
+            </a:r>
+            <a:r>
+              <a:rPr sz="1167" dirty="0">
+                <a:latin typeface="Times New Roman"/>
+                <a:cs typeface="Times New Roman"/>
+              </a:rPr>
+              <a:t>–</a:t>
+            </a:r>
+            <a:r>
+              <a:rPr sz="1167" spc="-141" dirty="0">
+                <a:latin typeface="Times New Roman"/>
+                <a:cs typeface="Times New Roman"/>
+              </a:rPr>
+              <a:t> </a:t>
+            </a:r>
+            <a:r>
+              <a:rPr sz="1167" dirty="0">
+                <a:latin typeface="Times New Roman"/>
+                <a:cs typeface="Times New Roman"/>
+              </a:rPr>
+              <a:t>I</a:t>
+            </a:r>
+            <a:endParaRPr sz="1167">
+              <a:latin typeface="Times New Roman"/>
+              <a:cs typeface="Times New Roman"/>
+            </a:endParaRPr>
+          </a:p>
+        </p:txBody>
+      </p:sp>
+      <p:sp>
+        <p:nvSpPr>
+          <p:cNvPr id="3" name="object 3"/>
+          <p:cNvSpPr txBox="1"/>
+          <p:nvPr/>
+        </p:nvSpPr>
+        <p:spPr>
+          <a:xfrm>
+            <a:off x="6047417" y="889846"/>
+            <a:ext cx="238919" cy="179601"/>
+          </a:xfrm>
+          <a:prstGeom prst="rect">
+            <a:avLst/>
+          </a:prstGeom>
+        </p:spPr>
+        <p:txBody>
+          <a:bodyPr vert="horz" wrap="square" lIns="0" tIns="0" rIns="0" bIns="0" rtlCol="0">
+            <a:spAutoFit/>
+          </a:bodyPr>
+          <a:lstStyle/>
+          <a:p>
+            <a:pPr marL="12347"/>
+            <a:r>
+              <a:rPr sz="1167" spc="-10" dirty="0">
+                <a:latin typeface="Times New Roman"/>
+                <a:cs typeface="Times New Roman"/>
+              </a:rPr>
+              <a:t>VU</a:t>
+            </a:r>
+            <a:endParaRPr sz="1167">
+              <a:latin typeface="Times New Roman"/>
+              <a:cs typeface="Times New Roman"/>
+            </a:endParaRPr>
+          </a:p>
+        </p:txBody>
+      </p:sp>
+      <p:sp>
+        <p:nvSpPr>
+          <p:cNvPr id="4" name="object 4"/>
+          <p:cNvSpPr/>
+          <p:nvPr/>
+        </p:nvSpPr>
+        <p:spPr>
+          <a:xfrm>
+            <a:off x="787505" y="1058015"/>
+            <a:ext cx="5487723" cy="0"/>
+          </a:xfrm>
+          <a:custGeom>
+            <a:avLst/>
+            <a:gdLst/>
+            <a:ahLst/>
+            <a:cxnLst/>
+            <a:rect l="l" t="t" r="r" b="b"/>
+            <a:pathLst>
+              <a:path w="5644515">
+                <a:moveTo>
+                  <a:pt x="0" y="0"/>
+                </a:moveTo>
+                <a:lnTo>
+                  <a:pt x="5644134" y="0"/>
+                </a:lnTo>
+              </a:path>
+            </a:pathLst>
+          </a:custGeom>
+          <a:ln w="7620">
+            <a:solidFill>
+              <a:srgbClr val="000000"/>
+            </a:solidFill>
+          </a:ln>
+        </p:spPr>
+        <p:txBody>
+          <a:bodyPr wrap="square" lIns="0" tIns="0" rIns="0" bIns="0" rtlCol="0"/>
+          <a:lstStyle/>
+          <a:p>
+            <a:endParaRPr sz="1750"/>
+          </a:p>
+        </p:txBody>
+      </p:sp>
+      <p:sp>
+        <p:nvSpPr>
+          <p:cNvPr id="5" name="object 5"/>
+          <p:cNvSpPr/>
+          <p:nvPr/>
+        </p:nvSpPr>
+        <p:spPr>
+          <a:xfrm>
+            <a:off x="800100" y="9705022"/>
+            <a:ext cx="5482167" cy="0"/>
+          </a:xfrm>
+          <a:custGeom>
+            <a:avLst/>
+            <a:gdLst/>
+            <a:ahLst/>
+            <a:cxnLst/>
+            <a:rect l="l" t="t" r="r" b="b"/>
+            <a:pathLst>
+              <a:path w="5638800">
+                <a:moveTo>
+                  <a:pt x="0" y="0"/>
+                </a:moveTo>
+                <a:lnTo>
+                  <a:pt x="5638800" y="0"/>
+                </a:lnTo>
+              </a:path>
+            </a:pathLst>
+          </a:custGeom>
+          <a:ln w="16764">
+            <a:solidFill>
+              <a:srgbClr val="000000"/>
+            </a:solidFill>
+          </a:ln>
+        </p:spPr>
+        <p:txBody>
+          <a:bodyPr wrap="square" lIns="0" tIns="0" rIns="0" bIns="0" rtlCol="0"/>
+          <a:lstStyle/>
+          <a:p>
+            <a:endParaRPr sz="1750"/>
+          </a:p>
+        </p:txBody>
+      </p:sp>
+      <p:sp>
+        <p:nvSpPr>
+          <p:cNvPr id="6" name="object 6"/>
+          <p:cNvSpPr txBox="1"/>
+          <p:nvPr/>
+        </p:nvSpPr>
+        <p:spPr>
+          <a:xfrm>
+            <a:off x="1527684" y="3271516"/>
+            <a:ext cx="4398081" cy="1713177"/>
+          </a:xfrm>
+          <a:prstGeom prst="rect">
+            <a:avLst/>
+          </a:prstGeom>
+        </p:spPr>
+        <p:txBody>
+          <a:bodyPr vert="horz" wrap="square" lIns="0" tIns="0" rIns="0" bIns="0" rtlCol="0">
+            <a:spAutoFit/>
+          </a:bodyPr>
+          <a:lstStyle/>
+          <a:p>
+            <a:pPr algn="ctr">
+              <a:lnSpc>
+                <a:spcPct val="100000"/>
+              </a:lnSpc>
+            </a:pPr>
+            <a:r>
+              <a:rPr sz="2528" b="1" spc="-5" dirty="0">
+                <a:latin typeface="Arial Black"/>
+                <a:cs typeface="Arial Black"/>
+              </a:rPr>
+              <a:t>Software Engineering –</a:t>
+            </a:r>
+            <a:r>
+              <a:rPr sz="2528" b="1" spc="-24" dirty="0">
+                <a:latin typeface="Arial Black"/>
+                <a:cs typeface="Arial Black"/>
+              </a:rPr>
+              <a:t> </a:t>
+            </a:r>
+            <a:r>
+              <a:rPr sz="2528" b="1" spc="-5" dirty="0">
+                <a:latin typeface="Arial Black"/>
+                <a:cs typeface="Arial Black"/>
+              </a:rPr>
+              <a:t>1</a:t>
+            </a:r>
+            <a:endParaRPr sz="2528">
+              <a:latin typeface="Arial Black"/>
+              <a:cs typeface="Arial Black"/>
+            </a:endParaRPr>
+          </a:p>
+          <a:p>
+            <a:pPr>
+              <a:spcBef>
+                <a:spcPts val="19"/>
+              </a:spcBef>
+            </a:pPr>
+            <a:endParaRPr sz="1993">
+              <a:latin typeface="Times New Roman"/>
+              <a:cs typeface="Times New Roman"/>
+            </a:endParaRPr>
+          </a:p>
+          <a:p>
+            <a:pPr algn="ctr">
+              <a:lnSpc>
+                <a:spcPct val="100000"/>
+              </a:lnSpc>
+            </a:pPr>
+            <a:r>
+              <a:rPr sz="2528" b="1" spc="-5" dirty="0">
+                <a:latin typeface="Arial Black"/>
+                <a:cs typeface="Arial Black"/>
+              </a:rPr>
+              <a:t>(CS504)</a:t>
+            </a:r>
+            <a:endParaRPr sz="2528">
+              <a:latin typeface="Arial Black"/>
+              <a:cs typeface="Arial Black"/>
+            </a:endParaRPr>
+          </a:p>
+          <a:p>
+            <a:pPr>
+              <a:spcBef>
+                <a:spcPts val="44"/>
+              </a:spcBef>
+            </a:pPr>
+            <a:endParaRPr sz="1944">
+              <a:latin typeface="Times New Roman"/>
+              <a:cs typeface="Times New Roman"/>
+            </a:endParaRPr>
+          </a:p>
+          <a:p>
+            <a:pPr marL="1235" algn="ctr">
+              <a:spcBef>
+                <a:spcPts val="5"/>
+              </a:spcBef>
+            </a:pPr>
+            <a:r>
+              <a:rPr sz="2236" b="1" spc="-5" dirty="0">
+                <a:latin typeface="Arial Black"/>
+                <a:cs typeface="Arial Black"/>
+              </a:rPr>
+              <a:t>Lecture</a:t>
+            </a:r>
+            <a:r>
+              <a:rPr sz="2236" b="1" spc="-49" dirty="0">
+                <a:latin typeface="Arial Black"/>
+                <a:cs typeface="Arial Black"/>
+              </a:rPr>
+              <a:t> </a:t>
+            </a:r>
+            <a:r>
+              <a:rPr sz="2236" b="1" spc="-5" dirty="0">
+                <a:latin typeface="Arial Black"/>
+                <a:cs typeface="Arial Black"/>
+              </a:rPr>
+              <a:t>Notes</a:t>
+            </a:r>
+            <a:endParaRPr sz="2236">
+              <a:latin typeface="Arial Black"/>
+              <a:cs typeface="Arial Black"/>
+            </a:endParaRPr>
+          </a:p>
+        </p:txBody>
+      </p:sp>
+      <p:sp>
+        <p:nvSpPr>
+          <p:cNvPr id="7" name="object 7"/>
+          <p:cNvSpPr txBox="1"/>
+          <p:nvPr/>
+        </p:nvSpPr>
+        <p:spPr>
+          <a:xfrm>
+            <a:off x="2636133" y="7046183"/>
+            <a:ext cx="2183606" cy="627239"/>
+          </a:xfrm>
+          <a:prstGeom prst="rect">
+            <a:avLst/>
+          </a:prstGeom>
+        </p:spPr>
+        <p:txBody>
+          <a:bodyPr vert="horz" wrap="square" lIns="0" tIns="0" rIns="0" bIns="0" rtlCol="0">
+            <a:spAutoFit/>
+          </a:bodyPr>
+          <a:lstStyle/>
+          <a:p>
+            <a:pPr algn="ctr">
+              <a:lnSpc>
+                <a:spcPct val="100000"/>
+              </a:lnSpc>
+            </a:pPr>
+            <a:r>
+              <a:rPr sz="1750" spc="-5" dirty="0">
+                <a:latin typeface="Arial"/>
+                <a:cs typeface="Arial"/>
+              </a:rPr>
+              <a:t>Delivered</a:t>
+            </a:r>
+            <a:r>
+              <a:rPr sz="1750" spc="-53" dirty="0">
+                <a:latin typeface="Arial"/>
+                <a:cs typeface="Arial"/>
+              </a:rPr>
+              <a:t> </a:t>
+            </a:r>
+            <a:r>
+              <a:rPr sz="1750" spc="-5" dirty="0">
+                <a:latin typeface="Arial"/>
+                <a:cs typeface="Arial"/>
+              </a:rPr>
+              <a:t>by</a:t>
+            </a:r>
+            <a:endParaRPr sz="1750">
+              <a:latin typeface="Arial"/>
+              <a:cs typeface="Arial"/>
+            </a:endParaRPr>
+          </a:p>
+          <a:p>
+            <a:pPr algn="ctr">
+              <a:spcBef>
+                <a:spcPts val="194"/>
+              </a:spcBef>
+            </a:pPr>
+            <a:r>
+              <a:rPr sz="2139" b="1" spc="-5" dirty="0">
+                <a:latin typeface="Arial"/>
+                <a:cs typeface="Arial"/>
+              </a:rPr>
+              <a:t>Dr. Fakhar</a:t>
+            </a:r>
+            <a:r>
+              <a:rPr sz="2139" b="1" spc="-68" dirty="0">
+                <a:latin typeface="Arial"/>
+                <a:cs typeface="Arial"/>
+              </a:rPr>
+              <a:t> </a:t>
+            </a:r>
+            <a:r>
+              <a:rPr sz="2139" b="1" spc="-5" dirty="0">
+                <a:latin typeface="Arial"/>
+                <a:cs typeface="Arial"/>
+              </a:rPr>
+              <a:t>Lodhi</a:t>
+            </a:r>
+            <a:endParaRPr sz="2139">
+              <a:latin typeface="Arial"/>
+              <a:cs typeface="Arial"/>
+            </a:endParaRPr>
+          </a:p>
+        </p:txBody>
+      </p:sp>
+      <p:sp>
+        <p:nvSpPr>
+          <p:cNvPr id="8" name="object 8"/>
+          <p:cNvSpPr/>
+          <p:nvPr/>
+        </p:nvSpPr>
+        <p:spPr>
+          <a:xfrm>
+            <a:off x="5911849" y="9717763"/>
+            <a:ext cx="370417" cy="0"/>
+          </a:xfrm>
+          <a:custGeom>
+            <a:avLst/>
+            <a:gdLst/>
+            <a:ahLst/>
+            <a:cxnLst/>
+            <a:rect l="l" t="t" r="r" b="b"/>
+            <a:pathLst>
+              <a:path w="381000">
+                <a:moveTo>
+                  <a:pt x="0" y="0"/>
+                </a:moveTo>
+                <a:lnTo>
+                  <a:pt x="381000" y="0"/>
+                </a:lnTo>
+              </a:path>
+            </a:pathLst>
+          </a:custGeom>
+          <a:ln w="6096">
+            <a:solidFill>
+              <a:srgbClr val="000000"/>
+            </a:solidFill>
+          </a:ln>
+        </p:spPr>
+        <p:txBody>
+          <a:bodyPr wrap="square" lIns="0" tIns="0" rIns="0" bIns="0" rtlCol="0"/>
+          <a:lstStyle/>
+          <a:p>
+            <a:endParaRPr sz="1750"/>
+          </a:p>
+        </p:txBody>
+      </p:sp>
+      <p:sp>
+        <p:nvSpPr>
+          <p:cNvPr id="9" name="object 9"/>
+          <p:cNvSpPr txBox="1"/>
+          <p:nvPr/>
+        </p:nvSpPr>
+        <p:spPr>
+          <a:xfrm>
+            <a:off x="2232378" y="9726800"/>
+            <a:ext cx="2578100" cy="166712"/>
+          </a:xfrm>
+          <a:prstGeom prst="rect">
+            <a:avLst/>
+          </a:prstGeom>
+        </p:spPr>
+        <p:txBody>
+          <a:bodyPr vert="horz" wrap="square" lIns="0" tIns="0" rIns="0" bIns="0" rtlCol="0">
+            <a:spAutoFit/>
+          </a:bodyPr>
+          <a:lstStyle/>
+          <a:p>
+            <a:pPr marL="12347">
+              <a:lnSpc>
+                <a:spcPts val="1269"/>
+              </a:lnSpc>
+            </a:pPr>
+            <a:r>
+              <a:rPr sz="1167" dirty="0">
+                <a:latin typeface="Times New Roman"/>
+                <a:cs typeface="Times New Roman"/>
+              </a:rPr>
+              <a:t>©</a:t>
+            </a:r>
+            <a:r>
+              <a:rPr sz="1167" spc="-39" dirty="0">
+                <a:latin typeface="Times New Roman"/>
+                <a:cs typeface="Times New Roman"/>
+              </a:rPr>
+              <a:t> </a:t>
+            </a:r>
+            <a:r>
+              <a:rPr sz="1167" dirty="0">
+                <a:latin typeface="Times New Roman"/>
+                <a:cs typeface="Times New Roman"/>
+              </a:rPr>
+              <a:t>Copyright</a:t>
+            </a:r>
+            <a:r>
+              <a:rPr sz="1167" spc="-68" dirty="0">
+                <a:latin typeface="Times New Roman"/>
+                <a:cs typeface="Times New Roman"/>
+              </a:rPr>
+              <a:t> </a:t>
+            </a:r>
+            <a:r>
+              <a:rPr sz="1167" dirty="0">
+                <a:latin typeface="Times New Roman"/>
+                <a:cs typeface="Times New Roman"/>
+              </a:rPr>
+              <a:t>Virtual</a:t>
+            </a:r>
+            <a:r>
+              <a:rPr sz="1167" spc="-58" dirty="0">
+                <a:latin typeface="Times New Roman"/>
+                <a:cs typeface="Times New Roman"/>
+              </a:rPr>
+              <a:t> </a:t>
+            </a:r>
+            <a:r>
+              <a:rPr sz="1167" dirty="0">
+                <a:latin typeface="Times New Roman"/>
+                <a:cs typeface="Times New Roman"/>
+              </a:rPr>
+              <a:t>University</a:t>
+            </a:r>
+            <a:r>
+              <a:rPr sz="1167" spc="-68" dirty="0">
+                <a:latin typeface="Times New Roman"/>
+                <a:cs typeface="Times New Roman"/>
+              </a:rPr>
+              <a:t> </a:t>
+            </a:r>
+            <a:r>
+              <a:rPr sz="1167" dirty="0">
+                <a:latin typeface="Times New Roman"/>
+                <a:cs typeface="Times New Roman"/>
+              </a:rPr>
+              <a:t>of</a:t>
+            </a:r>
+            <a:r>
+              <a:rPr sz="1167" spc="-24" dirty="0">
+                <a:latin typeface="Times New Roman"/>
+                <a:cs typeface="Times New Roman"/>
+              </a:rPr>
+              <a:t> </a:t>
+            </a:r>
+            <a:r>
+              <a:rPr sz="1167" dirty="0">
+                <a:latin typeface="Times New Roman"/>
+                <a:cs typeface="Times New Roman"/>
+              </a:rPr>
+              <a:t>Pakistan</a:t>
+            </a:r>
+            <a:endParaRPr sz="1167">
+              <a:latin typeface="Times New Roman"/>
+              <a:cs typeface="Times New Roman"/>
+            </a:endParaRPr>
+          </a:p>
+        </p:txBody>
+      </p:sp>
+    </p:spTree>
+    <p:extLst>
+      <p:ext uri="{BB962C8B-B14F-4D97-AF65-F5344CB8AC3E}">
+        <p14:creationId xmlns:p14="http://schemas.microsoft.com/office/powerpoint/2010/main" val="563508764"/>
+      </p:ext>
+    </p:extLst>
+  </p:cSld>
+  <p:clrMapOvr>
+    <a:masterClrMapping/>
+  </p:clrMapOvr>
+</p:sld>
+</file>
+
+<file path=ppt/slides/slide2.xml><?xml version="1.0" encoding="utf-8"?>
+<p:sld xmlns:a="http://schemas.openxmlformats.org/drawingml/2006/main" xmlns:r="http://schemas.openxmlformats.org/officeDocument/2006/relationships" xmlns:p="http://schemas.openxmlformats.org/presentationml/2006/main">
+  <p:cSld>
+    <p:spTree>
+      <p:nvGrpSpPr>
+        <p:cNvPr id="1" name=""/>
+        <p:cNvGrpSpPr/>
+        <p:nvPr/>
+      </p:nvGrpSpPr>
+      <p:grpSpPr>
+        <a:xfrm>
+          <a:off x="0" y="0"/>
+          <a:ext cx="0" cy="0"/>
+          <a:chOff x="0" y="0"/>
+          <a:chExt cx="0" cy="0"/>
+        </a:xfrm>
+      </p:grpSpPr>
+      <p:sp>
+        <p:nvSpPr>
+          <p:cNvPr id="2" name="object 2"/>
+          <p:cNvSpPr txBox="1"/>
+          <p:nvPr/>
+        </p:nvSpPr>
+        <p:spPr>
+          <a:xfrm>
+            <a:off x="812185" y="889846"/>
+            <a:ext cx="1964443" cy="179601"/>
+          </a:xfrm>
+          <a:prstGeom prst="rect">
+            <a:avLst/>
+          </a:prstGeom>
+        </p:spPr>
+        <p:txBody>
+          <a:bodyPr vert="horz" wrap="square" lIns="0" tIns="0" rIns="0" bIns="0" rtlCol="0">
+            <a:spAutoFit/>
+          </a:bodyPr>
+          <a:lstStyle/>
+          <a:p>
+            <a:pPr marL="12347"/>
+            <a:r>
+              <a:rPr sz="1167" spc="-5" dirty="0">
+                <a:latin typeface="Times New Roman"/>
+                <a:cs typeface="Times New Roman"/>
+              </a:rPr>
+              <a:t>CS504-Software Engineering </a:t>
+            </a:r>
+            <a:r>
+              <a:rPr sz="1167" dirty="0">
+                <a:latin typeface="Times New Roman"/>
+                <a:cs typeface="Times New Roman"/>
+              </a:rPr>
+              <a:t>–</a:t>
+            </a:r>
+            <a:r>
+              <a:rPr sz="1167" spc="-141" dirty="0">
+                <a:latin typeface="Times New Roman"/>
+                <a:cs typeface="Times New Roman"/>
+              </a:rPr>
+              <a:t> </a:t>
+            </a:r>
+            <a:r>
+              <a:rPr sz="1167" dirty="0">
+                <a:latin typeface="Times New Roman"/>
+                <a:cs typeface="Times New Roman"/>
+              </a:rPr>
+              <a:t>I</a:t>
+            </a:r>
+            <a:endParaRPr sz="1167">
+              <a:latin typeface="Times New Roman"/>
+              <a:cs typeface="Times New Roman"/>
+            </a:endParaRPr>
+          </a:p>
+        </p:txBody>
+      </p:sp>
+      <p:sp>
+        <p:nvSpPr>
+          <p:cNvPr id="3" name="object 3"/>
+          <p:cNvSpPr txBox="1"/>
+          <p:nvPr/>
+        </p:nvSpPr>
+        <p:spPr>
+          <a:xfrm>
+            <a:off x="6047417" y="889846"/>
+            <a:ext cx="238919" cy="179601"/>
+          </a:xfrm>
+          <a:prstGeom prst="rect">
+            <a:avLst/>
+          </a:prstGeom>
+        </p:spPr>
+        <p:txBody>
+          <a:bodyPr vert="horz" wrap="square" lIns="0" tIns="0" rIns="0" bIns="0" rtlCol="0">
+            <a:spAutoFit/>
+          </a:bodyPr>
+          <a:lstStyle/>
+          <a:p>
+            <a:pPr marL="12347"/>
+            <a:r>
+              <a:rPr sz="1167" spc="-10" dirty="0">
+                <a:latin typeface="Times New Roman"/>
+                <a:cs typeface="Times New Roman"/>
+              </a:rPr>
+              <a:t>VU</a:t>
+            </a:r>
+            <a:endParaRPr sz="1167">
+              <a:latin typeface="Times New Roman"/>
+              <a:cs typeface="Times New Roman"/>
+            </a:endParaRPr>
+          </a:p>
+        </p:txBody>
+      </p:sp>
+      <p:sp>
+        <p:nvSpPr>
+          <p:cNvPr id="4" name="object 4"/>
+          <p:cNvSpPr/>
+          <p:nvPr/>
+        </p:nvSpPr>
+        <p:spPr>
+          <a:xfrm>
+            <a:off x="787505" y="1058015"/>
+            <a:ext cx="5487723" cy="0"/>
+          </a:xfrm>
+          <a:custGeom>
+            <a:avLst/>
+            <a:gdLst/>
+            <a:ahLst/>
+            <a:cxnLst/>
+            <a:rect l="l" t="t" r="r" b="b"/>
+            <a:pathLst>
+              <a:path w="5644515">
+                <a:moveTo>
+                  <a:pt x="0" y="0"/>
+                </a:moveTo>
+                <a:lnTo>
+                  <a:pt x="5644134" y="0"/>
+                </a:lnTo>
+              </a:path>
+            </a:pathLst>
+          </a:custGeom>
+          <a:ln w="7620">
+            <a:solidFill>
+              <a:srgbClr val="000000"/>
+            </a:solidFill>
+          </a:ln>
+        </p:spPr>
+        <p:txBody>
+          <a:bodyPr wrap="square" lIns="0" tIns="0" rIns="0" bIns="0" rtlCol="0"/>
+          <a:lstStyle/>
+          <a:p>
+            <a:endParaRPr sz="1750"/>
+          </a:p>
+        </p:txBody>
+      </p:sp>
+      <p:sp>
+        <p:nvSpPr>
+          <p:cNvPr id="5" name="object 5"/>
+          <p:cNvSpPr/>
+          <p:nvPr/>
+        </p:nvSpPr>
+        <p:spPr>
+          <a:xfrm>
+            <a:off x="800100" y="9705022"/>
+            <a:ext cx="5482167" cy="0"/>
+          </a:xfrm>
+          <a:custGeom>
+            <a:avLst/>
+            <a:gdLst/>
+            <a:ahLst/>
+            <a:cxnLst/>
+            <a:rect l="l" t="t" r="r" b="b"/>
+            <a:pathLst>
+              <a:path w="5638800">
+                <a:moveTo>
+                  <a:pt x="0" y="0"/>
+                </a:moveTo>
+                <a:lnTo>
+                  <a:pt x="5638800" y="0"/>
+                </a:lnTo>
+              </a:path>
+            </a:pathLst>
+          </a:custGeom>
+          <a:ln w="16764">
+            <a:solidFill>
+              <a:srgbClr val="000000"/>
+            </a:solidFill>
+          </a:ln>
+        </p:spPr>
+        <p:txBody>
+          <a:bodyPr wrap="square" lIns="0" tIns="0" rIns="0" bIns="0" rtlCol="0"/>
+          <a:lstStyle/>
+          <a:p>
+            <a:endParaRPr sz="1750"/>
+          </a:p>
+        </p:txBody>
+      </p:sp>
+      <p:sp>
+        <p:nvSpPr>
+          <p:cNvPr id="6" name="object 6"/>
+          <p:cNvSpPr txBox="1"/>
+          <p:nvPr/>
+        </p:nvSpPr>
+        <p:spPr>
+          <a:xfrm>
+            <a:off x="1125573" y="1208640"/>
+            <a:ext cx="5363633" cy="8146080"/>
+          </a:xfrm>
+          <a:prstGeom prst="rect">
+            <a:avLst/>
+          </a:prstGeom>
+        </p:spPr>
+        <p:txBody>
+          <a:bodyPr vert="horz" wrap="square" lIns="0" tIns="0" rIns="0" bIns="0" rtlCol="0">
+            <a:spAutoFit/>
+          </a:bodyPr>
+          <a:lstStyle/>
+          <a:p>
+            <a:pPr marL="1536577"/>
+            <a:r>
+              <a:rPr sz="1556" b="1" spc="-5" dirty="0">
+                <a:latin typeface="Arial"/>
+                <a:cs typeface="Arial"/>
+              </a:rPr>
+              <a:t>TABLE OF</a:t>
+            </a:r>
+            <a:r>
+              <a:rPr sz="1556" b="1" spc="-73" dirty="0">
+                <a:latin typeface="Arial"/>
+                <a:cs typeface="Arial"/>
+              </a:rPr>
+              <a:t> </a:t>
+            </a:r>
+            <a:r>
+              <a:rPr sz="1556" b="1" spc="-5" dirty="0">
+                <a:latin typeface="Arial"/>
+                <a:cs typeface="Arial"/>
+              </a:rPr>
+              <a:t>CONTENTS</a:t>
+            </a:r>
+            <a:endParaRPr sz="1556">
+              <a:latin typeface="Arial"/>
+              <a:cs typeface="Arial"/>
+            </a:endParaRPr>
+          </a:p>
+          <a:p>
+            <a:pPr marL="12347" marR="4939" algn="just">
+              <a:lnSpc>
+                <a:spcPts val="2839"/>
+              </a:lnSpc>
+              <a:spcBef>
+                <a:spcPts val="311"/>
+              </a:spcBef>
+              <a:tabLst>
+                <a:tab pos="5201148" algn="l"/>
+                <a:tab pos="5275230" algn="l"/>
+              </a:tabLst>
+            </a:pPr>
+            <a:r>
+              <a:rPr sz="1167" b="1" dirty="0">
+                <a:latin typeface="Book Antiqua"/>
+                <a:cs typeface="Book Antiqua"/>
+              </a:rPr>
+              <a:t>Lecture</a:t>
+            </a:r>
+            <a:r>
+              <a:rPr sz="1167" b="1" spc="-5" dirty="0">
+                <a:latin typeface="Book Antiqua"/>
+                <a:cs typeface="Book Antiqua"/>
+              </a:rPr>
+              <a:t> </a:t>
+            </a:r>
+            <a:r>
+              <a:rPr sz="1167" b="1" dirty="0">
+                <a:latin typeface="Book Antiqua"/>
+                <a:cs typeface="Book Antiqua"/>
+              </a:rPr>
+              <a:t>01: </a:t>
+            </a:r>
+            <a:r>
+              <a:rPr sz="1167" dirty="0">
+                <a:latin typeface="Book Antiqua"/>
+                <a:cs typeface="Book Antiqua"/>
+              </a:rPr>
+              <a:t>Introduction</a:t>
+            </a:r>
+            <a:r>
+              <a:rPr sz="1167" spc="-5" dirty="0">
+                <a:latin typeface="Book Antiqua"/>
+                <a:cs typeface="Book Antiqua"/>
+              </a:rPr>
+              <a:t> t</a:t>
+            </a:r>
+            <a:r>
+              <a:rPr sz="1167" dirty="0">
+                <a:latin typeface="Book Antiqua"/>
+                <a:cs typeface="Book Antiqua"/>
+              </a:rPr>
+              <a:t>o </a:t>
+            </a:r>
+            <a:r>
+              <a:rPr sz="1167" spc="-5" dirty="0">
+                <a:latin typeface="Book Antiqua"/>
+                <a:cs typeface="Book Antiqua"/>
+              </a:rPr>
+              <a:t>Soft</a:t>
+            </a:r>
+            <a:r>
+              <a:rPr sz="1167" spc="5" dirty="0">
+                <a:latin typeface="Book Antiqua"/>
+                <a:cs typeface="Book Antiqua"/>
+              </a:rPr>
+              <a:t>w</a:t>
+            </a:r>
+            <a:r>
+              <a:rPr sz="1167" spc="-5" dirty="0">
+                <a:latin typeface="Book Antiqua"/>
+                <a:cs typeface="Book Antiqua"/>
+              </a:rPr>
+              <a:t>ar</a:t>
+            </a:r>
+            <a:r>
+              <a:rPr sz="1167" dirty="0">
+                <a:latin typeface="Book Antiqua"/>
+                <a:cs typeface="Book Antiqua"/>
+              </a:rPr>
+              <a:t>e</a:t>
+            </a:r>
+            <a:r>
+              <a:rPr sz="1167" spc="-5" dirty="0">
+                <a:latin typeface="Book Antiqua"/>
+                <a:cs typeface="Book Antiqua"/>
+              </a:rPr>
+              <a:t> </a:t>
+            </a:r>
+            <a:r>
+              <a:rPr sz="1167" dirty="0">
+                <a:latin typeface="Book Antiqua"/>
+                <a:cs typeface="Book Antiqua"/>
+              </a:rPr>
+              <a:t>Engin</a:t>
+            </a:r>
+            <a:r>
+              <a:rPr sz="1167" spc="5" dirty="0">
+                <a:latin typeface="Book Antiqua"/>
+                <a:cs typeface="Book Antiqua"/>
+              </a:rPr>
+              <a:t>e</a:t>
+            </a:r>
+            <a:r>
+              <a:rPr sz="1167" spc="-5" dirty="0">
+                <a:latin typeface="Book Antiqua"/>
+                <a:cs typeface="Book Antiqua"/>
+              </a:rPr>
+              <a:t>ering…</a:t>
+            </a:r>
+            <a:r>
+              <a:rPr sz="1167" dirty="0">
+                <a:latin typeface="Book Antiqua"/>
+                <a:cs typeface="Book Antiqua"/>
+              </a:rPr>
+              <a:t> 		1  </a:t>
+            </a:r>
+            <a:r>
+              <a:rPr sz="1167" b="1" dirty="0">
+                <a:latin typeface="Book Antiqua"/>
+                <a:cs typeface="Book Antiqua"/>
+              </a:rPr>
+              <a:t>Lecture</a:t>
+            </a:r>
+            <a:r>
+              <a:rPr sz="1167" b="1" spc="-5" dirty="0">
+                <a:latin typeface="Book Antiqua"/>
+                <a:cs typeface="Book Antiqua"/>
+              </a:rPr>
+              <a:t> </a:t>
+            </a:r>
+            <a:r>
+              <a:rPr sz="1167" b="1" dirty="0">
+                <a:latin typeface="Book Antiqua"/>
+                <a:cs typeface="Book Antiqua"/>
+              </a:rPr>
+              <a:t>02: </a:t>
+            </a:r>
+            <a:r>
+              <a:rPr sz="1167" dirty="0">
+                <a:latin typeface="Book Antiqua"/>
+                <a:cs typeface="Book Antiqua"/>
+              </a:rPr>
+              <a:t>Introduction</a:t>
+            </a:r>
+            <a:r>
+              <a:rPr sz="1167" spc="-5" dirty="0">
+                <a:latin typeface="Book Antiqua"/>
+                <a:cs typeface="Book Antiqua"/>
+              </a:rPr>
+              <a:t> t</a:t>
+            </a:r>
+            <a:r>
+              <a:rPr sz="1167" dirty="0">
+                <a:latin typeface="Book Antiqua"/>
+                <a:cs typeface="Book Antiqua"/>
+              </a:rPr>
+              <a:t>o Soft</a:t>
+            </a:r>
+            <a:r>
+              <a:rPr sz="1167" spc="5" dirty="0">
+                <a:latin typeface="Book Antiqua"/>
+                <a:cs typeface="Book Antiqua"/>
+              </a:rPr>
+              <a:t>w</a:t>
+            </a:r>
+            <a:r>
+              <a:rPr sz="1167" spc="-5" dirty="0">
+                <a:latin typeface="Book Antiqua"/>
+                <a:cs typeface="Book Antiqua"/>
+              </a:rPr>
+              <a:t>ar</a:t>
+            </a:r>
+            <a:r>
+              <a:rPr sz="1167" dirty="0">
+                <a:latin typeface="Book Antiqua"/>
+                <a:cs typeface="Book Antiqua"/>
+              </a:rPr>
+              <a:t>e</a:t>
+            </a:r>
+            <a:r>
+              <a:rPr sz="1167" spc="-5" dirty="0">
+                <a:latin typeface="Book Antiqua"/>
+                <a:cs typeface="Book Antiqua"/>
+              </a:rPr>
+              <a:t> </a:t>
+            </a:r>
+            <a:r>
+              <a:rPr sz="1167" dirty="0">
+                <a:latin typeface="Book Antiqua"/>
+                <a:cs typeface="Book Antiqua"/>
+              </a:rPr>
+              <a:t>Development 	</a:t>
+            </a:r>
+            <a:r>
+              <a:rPr sz="1167" spc="-292" dirty="0">
+                <a:latin typeface="Book Antiqua"/>
+                <a:cs typeface="Book Antiqua"/>
+              </a:rPr>
+              <a:t> </a:t>
+            </a:r>
+            <a:r>
+              <a:rPr sz="1167" spc="-5" dirty="0">
+                <a:latin typeface="Book Antiqua"/>
+                <a:cs typeface="Book Antiqua"/>
+              </a:rPr>
+              <a:t>11  </a:t>
+            </a:r>
+            <a:r>
+              <a:rPr sz="1167" b="1" dirty="0">
+                <a:latin typeface="Book Antiqua"/>
+                <a:cs typeface="Book Antiqua"/>
+              </a:rPr>
+              <a:t>Lecture</a:t>
+            </a:r>
+            <a:r>
+              <a:rPr sz="1167" b="1" spc="-5" dirty="0">
+                <a:latin typeface="Book Antiqua"/>
+                <a:cs typeface="Book Antiqua"/>
+              </a:rPr>
+              <a:t> </a:t>
+            </a:r>
+            <a:r>
+              <a:rPr sz="1167" b="1" dirty="0">
+                <a:latin typeface="Book Antiqua"/>
+                <a:cs typeface="Book Antiqua"/>
+              </a:rPr>
+              <a:t>03: </a:t>
+            </a:r>
+            <a:r>
+              <a:rPr sz="1167" spc="-5" dirty="0">
+                <a:latin typeface="Book Antiqua"/>
+                <a:cs typeface="Book Antiqua"/>
+              </a:rPr>
+              <a:t>Requiremen</a:t>
+            </a:r>
+            <a:r>
+              <a:rPr sz="1167" dirty="0">
+                <a:latin typeface="Book Antiqua"/>
+                <a:cs typeface="Book Antiqua"/>
+              </a:rPr>
+              <a:t>t</a:t>
+            </a:r>
+            <a:r>
+              <a:rPr sz="1167" spc="-5" dirty="0">
+                <a:latin typeface="Book Antiqua"/>
+                <a:cs typeface="Book Antiqua"/>
+              </a:rPr>
+              <a:t> </a:t>
+            </a:r>
+            <a:r>
+              <a:rPr sz="1167" dirty="0">
+                <a:latin typeface="Book Antiqua"/>
+                <a:cs typeface="Book Antiqua"/>
+              </a:rPr>
+              <a:t>Engine</a:t>
+            </a:r>
+            <a:r>
+              <a:rPr sz="1167" spc="5" dirty="0">
+                <a:latin typeface="Book Antiqua"/>
+                <a:cs typeface="Book Antiqua"/>
+              </a:rPr>
+              <a:t>e</a:t>
+            </a:r>
+            <a:r>
+              <a:rPr sz="1167" spc="-5" dirty="0">
+                <a:latin typeface="Book Antiqua"/>
+                <a:cs typeface="Book Antiqua"/>
+              </a:rPr>
+              <a:t>ring-1</a:t>
+            </a:r>
+            <a:r>
+              <a:rPr sz="1167" dirty="0">
+                <a:latin typeface="Book Antiqua"/>
+                <a:cs typeface="Book Antiqua"/>
+              </a:rPr>
+              <a:t> 	</a:t>
+            </a:r>
+            <a:r>
+              <a:rPr sz="1167" spc="-5" dirty="0">
+                <a:latin typeface="Book Antiqua"/>
+                <a:cs typeface="Book Antiqua"/>
+              </a:rPr>
+              <a:t>16  </a:t>
+            </a:r>
+            <a:r>
+              <a:rPr sz="1167" b="1" dirty="0">
+                <a:latin typeface="Book Antiqua"/>
+                <a:cs typeface="Book Antiqua"/>
+              </a:rPr>
+              <a:t>Lecture</a:t>
+            </a:r>
+            <a:r>
+              <a:rPr sz="1167" b="1" spc="-5" dirty="0">
+                <a:latin typeface="Book Antiqua"/>
+                <a:cs typeface="Book Antiqua"/>
+              </a:rPr>
+              <a:t> </a:t>
+            </a:r>
+            <a:r>
+              <a:rPr sz="1167" b="1" dirty="0">
+                <a:latin typeface="Book Antiqua"/>
+                <a:cs typeface="Book Antiqua"/>
+              </a:rPr>
+              <a:t>04: </a:t>
+            </a:r>
+            <a:r>
+              <a:rPr sz="1167" spc="-5" dirty="0">
+                <a:latin typeface="Book Antiqua"/>
+                <a:cs typeface="Book Antiqua"/>
+              </a:rPr>
+              <a:t>Requiremen</a:t>
+            </a:r>
+            <a:r>
+              <a:rPr sz="1167" dirty="0">
+                <a:latin typeface="Book Antiqua"/>
+                <a:cs typeface="Book Antiqua"/>
+              </a:rPr>
+              <a:t>t</a:t>
+            </a:r>
+            <a:r>
+              <a:rPr sz="1167" spc="-5" dirty="0">
+                <a:latin typeface="Book Antiqua"/>
+                <a:cs typeface="Book Antiqua"/>
+              </a:rPr>
+              <a:t> </a:t>
+            </a:r>
+            <a:r>
+              <a:rPr sz="1167" dirty="0">
+                <a:latin typeface="Book Antiqua"/>
+                <a:cs typeface="Book Antiqua"/>
+              </a:rPr>
+              <a:t>Engine</a:t>
+            </a:r>
+            <a:r>
+              <a:rPr sz="1167" spc="5" dirty="0">
+                <a:latin typeface="Book Antiqua"/>
+                <a:cs typeface="Book Antiqua"/>
+              </a:rPr>
+              <a:t>e</a:t>
+            </a:r>
+            <a:r>
+              <a:rPr sz="1167" spc="-5" dirty="0">
+                <a:latin typeface="Book Antiqua"/>
+                <a:cs typeface="Book Antiqua"/>
+              </a:rPr>
+              <a:t>ring-2</a:t>
+            </a:r>
+            <a:r>
+              <a:rPr sz="1167" dirty="0">
+                <a:latin typeface="Book Antiqua"/>
+                <a:cs typeface="Book Antiqua"/>
+              </a:rPr>
+              <a:t> 	</a:t>
+            </a:r>
+            <a:r>
+              <a:rPr sz="1167" spc="-5" dirty="0">
+                <a:latin typeface="Book Antiqua"/>
+                <a:cs typeface="Book Antiqua"/>
+              </a:rPr>
+              <a:t>20</a:t>
+            </a:r>
+            <a:endParaRPr sz="1167">
+              <a:latin typeface="Book Antiqua"/>
+              <a:cs typeface="Book Antiqua"/>
+            </a:endParaRPr>
+          </a:p>
+          <a:p>
+            <a:pPr>
+              <a:spcBef>
+                <a:spcPts val="29"/>
+              </a:spcBef>
+            </a:pPr>
+            <a:endParaRPr sz="924">
+              <a:latin typeface="Times New Roman"/>
+              <a:cs typeface="Times New Roman"/>
+            </a:endParaRPr>
+          </a:p>
+          <a:p>
+            <a:pPr marL="12347" algn="just">
+              <a:tabLst>
+                <a:tab pos="5201766" algn="l"/>
+              </a:tabLst>
+            </a:pPr>
+            <a:r>
+              <a:rPr sz="1167" b="1" dirty="0">
+                <a:latin typeface="Book Antiqua"/>
+                <a:cs typeface="Book Antiqua"/>
+              </a:rPr>
+              <a:t>Lecture</a:t>
+            </a:r>
+            <a:r>
+              <a:rPr sz="1167" b="1" spc="-5" dirty="0">
+                <a:latin typeface="Book Antiqua"/>
+                <a:cs typeface="Book Antiqua"/>
+              </a:rPr>
+              <a:t> </a:t>
+            </a:r>
+            <a:r>
+              <a:rPr sz="1167" b="1" dirty="0">
+                <a:latin typeface="Book Antiqua"/>
+                <a:cs typeface="Book Antiqua"/>
+              </a:rPr>
+              <a:t>05: </a:t>
+            </a:r>
+            <a:r>
+              <a:rPr sz="1167" dirty="0">
+                <a:latin typeface="Book Antiqua"/>
+                <a:cs typeface="Book Antiqua"/>
+              </a:rPr>
+              <a:t>Relation</a:t>
+            </a:r>
+            <a:r>
+              <a:rPr sz="1167" spc="-5" dirty="0">
+                <a:latin typeface="Book Antiqua"/>
+                <a:cs typeface="Book Antiqua"/>
+              </a:rPr>
+              <a:t> </a:t>
+            </a:r>
+            <a:r>
+              <a:rPr sz="1167" dirty="0">
+                <a:latin typeface="Book Antiqua"/>
+                <a:cs typeface="Book Antiqua"/>
+              </a:rPr>
+              <a:t>of Several</a:t>
+            </a:r>
+            <a:r>
+              <a:rPr sz="1167" spc="-5" dirty="0">
+                <a:latin typeface="Book Antiqua"/>
+                <a:cs typeface="Book Antiqua"/>
+              </a:rPr>
+              <a:t> </a:t>
+            </a:r>
+            <a:r>
+              <a:rPr sz="1167" dirty="0">
+                <a:latin typeface="Book Antiqua"/>
+                <a:cs typeface="Book Antiqua"/>
+              </a:rPr>
+              <a:t>components</a:t>
+            </a:r>
+            <a:r>
+              <a:rPr sz="1167" spc="-5" dirty="0">
+                <a:latin typeface="Book Antiqua"/>
+                <a:cs typeface="Book Antiqua"/>
+              </a:rPr>
+              <a:t> </a:t>
+            </a:r>
+            <a:r>
+              <a:rPr sz="1167" dirty="0">
+                <a:latin typeface="Book Antiqua"/>
+                <a:cs typeface="Book Antiqua"/>
+              </a:rPr>
+              <a:t>of</a:t>
+            </a:r>
+            <a:r>
+              <a:rPr sz="1167" spc="-5" dirty="0">
+                <a:latin typeface="Book Antiqua"/>
+                <a:cs typeface="Book Antiqua"/>
+              </a:rPr>
+              <a:t> </a:t>
+            </a:r>
+            <a:r>
+              <a:rPr sz="1167" dirty="0">
+                <a:latin typeface="Book Antiqua"/>
+                <a:cs typeface="Book Antiqua"/>
+              </a:rPr>
+              <a:t>Software</a:t>
+            </a:r>
+            <a:r>
+              <a:rPr sz="1167" spc="-5" dirty="0">
+                <a:latin typeface="Book Antiqua"/>
+                <a:cs typeface="Book Antiqua"/>
+              </a:rPr>
+              <a:t> Requirements</a:t>
+            </a:r>
+            <a:r>
+              <a:rPr sz="1167" dirty="0">
+                <a:latin typeface="Book Antiqua"/>
+                <a:cs typeface="Book Antiqua"/>
+              </a:rPr>
+              <a:t> 	</a:t>
+            </a:r>
+            <a:r>
+              <a:rPr sz="1167" spc="-5" dirty="0">
+                <a:latin typeface="Book Antiqua"/>
+                <a:cs typeface="Book Antiqua"/>
+              </a:rPr>
+              <a:t>28</a:t>
+            </a:r>
+            <a:endParaRPr sz="1167">
+              <a:latin typeface="Book Antiqua"/>
+              <a:cs typeface="Book Antiqua"/>
+            </a:endParaRPr>
+          </a:p>
+          <a:p>
+            <a:pPr marL="12347" marR="4939" algn="just">
+              <a:lnSpc>
+                <a:spcPct val="202400"/>
+              </a:lnSpc>
+              <a:tabLst>
+                <a:tab pos="5182011" algn="l"/>
+                <a:tab pos="5200531" algn="l"/>
+              </a:tabLst>
+            </a:pPr>
+            <a:r>
+              <a:rPr sz="1167" b="1" dirty="0">
+                <a:latin typeface="Book Antiqua"/>
+                <a:cs typeface="Book Antiqua"/>
+              </a:rPr>
+              <a:t>Lecture</a:t>
+            </a:r>
+            <a:r>
+              <a:rPr sz="1167" b="1" spc="-5" dirty="0">
+                <a:latin typeface="Book Antiqua"/>
+                <a:cs typeface="Book Antiqua"/>
+              </a:rPr>
+              <a:t> </a:t>
+            </a:r>
+            <a:r>
+              <a:rPr sz="1167" b="1" dirty="0">
+                <a:latin typeface="Book Antiqua"/>
+                <a:cs typeface="Book Antiqua"/>
+              </a:rPr>
+              <a:t>06:</a:t>
+            </a:r>
+            <a:r>
+              <a:rPr sz="1167" b="1" spc="-5" dirty="0">
+                <a:latin typeface="Book Antiqua"/>
+                <a:cs typeface="Book Antiqua"/>
+              </a:rPr>
+              <a:t> </a:t>
+            </a:r>
+            <a:r>
+              <a:rPr sz="1167" dirty="0">
+                <a:latin typeface="Book Antiqua"/>
+                <a:cs typeface="Book Antiqua"/>
+              </a:rPr>
+              <a:t>Use</a:t>
+            </a:r>
+            <a:r>
+              <a:rPr sz="1167" spc="-5" dirty="0">
+                <a:latin typeface="Book Antiqua"/>
+                <a:cs typeface="Book Antiqua"/>
+              </a:rPr>
+              <a:t> </a:t>
+            </a:r>
+            <a:r>
+              <a:rPr sz="1167" dirty="0">
+                <a:latin typeface="Book Antiqua"/>
+                <a:cs typeface="Book Antiqua"/>
+              </a:rPr>
+              <a:t>Case</a:t>
+            </a:r>
+            <a:r>
+              <a:rPr sz="1167" spc="-5" dirty="0">
+                <a:latin typeface="Book Antiqua"/>
+                <a:cs typeface="Book Antiqua"/>
+              </a:rPr>
+              <a:t> </a:t>
+            </a:r>
+            <a:r>
+              <a:rPr sz="1167" dirty="0">
+                <a:latin typeface="Book Antiqua"/>
+                <a:cs typeface="Book Antiqua"/>
+              </a:rPr>
+              <a:t>Diagram</a:t>
+            </a:r>
+            <a:r>
+              <a:rPr sz="1167" spc="-5" dirty="0">
+                <a:latin typeface="Book Antiqua"/>
+                <a:cs typeface="Book Antiqua"/>
+              </a:rPr>
+              <a:t> </a:t>
+            </a:r>
+            <a:r>
+              <a:rPr sz="1167" dirty="0">
+                <a:latin typeface="Book Antiqua"/>
+                <a:cs typeface="Book Antiqua"/>
+              </a:rPr>
+              <a:t>for</a:t>
+            </a:r>
+            <a:r>
+              <a:rPr sz="1167" spc="-5" dirty="0">
+                <a:latin typeface="Book Antiqua"/>
+                <a:cs typeface="Book Antiqua"/>
+              </a:rPr>
+              <a:t> </a:t>
+            </a:r>
+            <a:r>
+              <a:rPr sz="1167" dirty="0">
+                <a:latin typeface="Book Antiqua"/>
+                <a:cs typeface="Book Antiqua"/>
+              </a:rPr>
+              <a:t>a</a:t>
+            </a:r>
+            <a:r>
+              <a:rPr sz="1167" spc="-5" dirty="0">
+                <a:latin typeface="Book Antiqua"/>
+                <a:cs typeface="Book Antiqua"/>
+              </a:rPr>
+              <a:t> </a:t>
+            </a:r>
+            <a:r>
+              <a:rPr sz="1167" dirty="0">
+                <a:latin typeface="Book Antiqua"/>
+                <a:cs typeface="Book Antiqua"/>
+              </a:rPr>
+              <a:t>Library</a:t>
+            </a:r>
+            <a:r>
+              <a:rPr sz="1167" spc="-5" dirty="0">
+                <a:latin typeface="Book Antiqua"/>
+                <a:cs typeface="Book Antiqua"/>
+              </a:rPr>
+              <a:t> </a:t>
+            </a:r>
+            <a:r>
+              <a:rPr sz="1167" dirty="0">
+                <a:latin typeface="Book Antiqua"/>
+                <a:cs typeface="Book Antiqua"/>
+              </a:rPr>
+              <a:t>System 		33  </a:t>
+            </a:r>
+            <a:r>
+              <a:rPr sz="1167" b="1" dirty="0">
+                <a:latin typeface="Book Antiqua"/>
+                <a:cs typeface="Book Antiqua"/>
+              </a:rPr>
+              <a:t>Lecture</a:t>
+            </a:r>
+            <a:r>
+              <a:rPr sz="1167" b="1" spc="-5" dirty="0">
+                <a:latin typeface="Book Antiqua"/>
+                <a:cs typeface="Book Antiqua"/>
+              </a:rPr>
+              <a:t> </a:t>
+            </a:r>
+            <a:r>
+              <a:rPr sz="1167" b="1" dirty="0">
+                <a:latin typeface="Book Antiqua"/>
+                <a:cs typeface="Book Antiqua"/>
+              </a:rPr>
+              <a:t>07: </a:t>
+            </a:r>
+            <a:r>
+              <a:rPr sz="1167" dirty="0">
+                <a:latin typeface="Book Antiqua"/>
+                <a:cs typeface="Book Antiqua"/>
+              </a:rPr>
+              <a:t>Source</a:t>
+            </a:r>
+            <a:r>
+              <a:rPr sz="1167" spc="-5" dirty="0">
+                <a:latin typeface="Book Antiqua"/>
+                <a:cs typeface="Book Antiqua"/>
+              </a:rPr>
+              <a:t> </a:t>
+            </a:r>
+            <a:r>
+              <a:rPr sz="1167" dirty="0">
+                <a:latin typeface="Book Antiqua"/>
+                <a:cs typeface="Book Antiqua"/>
+              </a:rPr>
+              <a:t>and Sink</a:t>
+            </a:r>
+            <a:r>
+              <a:rPr sz="1167" spc="-5" dirty="0">
+                <a:latin typeface="Book Antiqua"/>
+                <a:cs typeface="Book Antiqua"/>
+              </a:rPr>
+              <a:t> </a:t>
+            </a:r>
+            <a:r>
+              <a:rPr sz="1167" dirty="0">
+                <a:latin typeface="Book Antiqua"/>
+                <a:cs typeface="Book Antiqua"/>
+              </a:rPr>
+              <a:t>Analysis 		</a:t>
+            </a:r>
+            <a:r>
+              <a:rPr sz="1167" spc="-292" dirty="0">
+                <a:latin typeface="Book Antiqua"/>
+                <a:cs typeface="Book Antiqua"/>
+              </a:rPr>
+              <a:t> </a:t>
+            </a:r>
+            <a:r>
+              <a:rPr sz="1167" dirty="0">
+                <a:latin typeface="Book Antiqua"/>
+                <a:cs typeface="Book Antiqua"/>
+              </a:rPr>
+              <a:t>40  </a:t>
+            </a:r>
+            <a:r>
+              <a:rPr sz="1167" b="1" dirty="0">
+                <a:latin typeface="Book Antiqua"/>
+                <a:cs typeface="Book Antiqua"/>
+              </a:rPr>
+              <a:t>Lecture</a:t>
+            </a:r>
+            <a:r>
+              <a:rPr sz="1167" b="1" spc="-5" dirty="0">
+                <a:latin typeface="Book Antiqua"/>
+                <a:cs typeface="Book Antiqua"/>
+              </a:rPr>
+              <a:t> </a:t>
+            </a:r>
+            <a:r>
+              <a:rPr sz="1167" b="1" dirty="0">
+                <a:latin typeface="Book Antiqua"/>
+                <a:cs typeface="Book Antiqua"/>
+              </a:rPr>
+              <a:t>08: </a:t>
+            </a:r>
+            <a:r>
+              <a:rPr sz="1167" dirty="0">
+                <a:latin typeface="Book Antiqua"/>
+                <a:cs typeface="Book Antiqua"/>
+              </a:rPr>
+              <a:t>State</a:t>
+            </a:r>
+            <a:r>
+              <a:rPr sz="1167" spc="-5" dirty="0">
+                <a:latin typeface="Book Antiqua"/>
+                <a:cs typeface="Book Antiqua"/>
+              </a:rPr>
+              <a:t> </a:t>
+            </a:r>
+            <a:r>
+              <a:rPr sz="1167" dirty="0">
+                <a:latin typeface="Book Antiqua"/>
+                <a:cs typeface="Book Antiqua"/>
+              </a:rPr>
+              <a:t>Transition</a:t>
+            </a:r>
+            <a:r>
+              <a:rPr sz="1167" spc="-5" dirty="0">
+                <a:latin typeface="Book Antiqua"/>
+                <a:cs typeface="Book Antiqua"/>
+              </a:rPr>
+              <a:t> </a:t>
+            </a:r>
+            <a:r>
+              <a:rPr sz="1167" dirty="0">
+                <a:latin typeface="Book Antiqua"/>
+                <a:cs typeface="Book Antiqua"/>
+              </a:rPr>
+              <a:t>Diagrams 		</a:t>
+            </a:r>
+            <a:r>
+              <a:rPr sz="1167" spc="-287" dirty="0">
+                <a:latin typeface="Book Antiqua"/>
+                <a:cs typeface="Book Antiqua"/>
+              </a:rPr>
+              <a:t> </a:t>
+            </a:r>
+            <a:r>
+              <a:rPr sz="1167" dirty="0">
+                <a:latin typeface="Book Antiqua"/>
+                <a:cs typeface="Book Antiqua"/>
+              </a:rPr>
+              <a:t>44  </a:t>
+            </a:r>
+            <a:r>
+              <a:rPr sz="1167" b="1" dirty="0">
+                <a:latin typeface="Book Antiqua"/>
+                <a:cs typeface="Book Antiqua"/>
+              </a:rPr>
+              <a:t>Lecture</a:t>
+            </a:r>
+            <a:r>
+              <a:rPr sz="1167" b="1" spc="-5" dirty="0">
+                <a:latin typeface="Book Antiqua"/>
+                <a:cs typeface="Book Antiqua"/>
+              </a:rPr>
+              <a:t> </a:t>
+            </a:r>
+            <a:r>
+              <a:rPr sz="1167" b="1" dirty="0">
+                <a:latin typeface="Book Antiqua"/>
+                <a:cs typeface="Book Antiqua"/>
+              </a:rPr>
+              <a:t>09: </a:t>
+            </a:r>
+            <a:r>
+              <a:rPr sz="1167" dirty="0">
+                <a:latin typeface="Book Antiqua"/>
+                <a:cs typeface="Book Antiqua"/>
+              </a:rPr>
+              <a:t>Typical</a:t>
+            </a:r>
+            <a:r>
+              <a:rPr sz="1167" spc="-5" dirty="0">
+                <a:latin typeface="Book Antiqua"/>
+                <a:cs typeface="Book Antiqua"/>
+              </a:rPr>
+              <a:t> </a:t>
+            </a:r>
+            <a:r>
+              <a:rPr sz="1167" dirty="0">
+                <a:latin typeface="Book Antiqua"/>
+                <a:cs typeface="Book Antiqua"/>
+              </a:rPr>
+              <a:t>Processes 		</a:t>
+            </a:r>
+            <a:r>
+              <a:rPr sz="1167" spc="-292" dirty="0">
+                <a:latin typeface="Book Antiqua"/>
+                <a:cs typeface="Book Antiqua"/>
+              </a:rPr>
+              <a:t> </a:t>
+            </a:r>
+            <a:r>
+              <a:rPr sz="1167" dirty="0">
+                <a:latin typeface="Book Antiqua"/>
+                <a:cs typeface="Book Antiqua"/>
+              </a:rPr>
+              <a:t>53  </a:t>
+            </a:r>
+            <a:r>
+              <a:rPr sz="1167" b="1" dirty="0">
+                <a:latin typeface="Book Antiqua"/>
+                <a:cs typeface="Book Antiqua"/>
+              </a:rPr>
+              <a:t>Lecture</a:t>
+            </a:r>
+            <a:r>
+              <a:rPr sz="1167" b="1" spc="-5" dirty="0">
+                <a:latin typeface="Book Antiqua"/>
+                <a:cs typeface="Book Antiqua"/>
+              </a:rPr>
+              <a:t> </a:t>
+            </a:r>
+            <a:r>
+              <a:rPr sz="1167" b="1" dirty="0">
+                <a:latin typeface="Book Antiqua"/>
+                <a:cs typeface="Book Antiqua"/>
+              </a:rPr>
+              <a:t>10: </a:t>
+            </a:r>
+            <a:r>
+              <a:rPr sz="1167" spc="-5" dirty="0">
+                <a:latin typeface="Book Antiqua"/>
+                <a:cs typeface="Book Antiqua"/>
+              </a:rPr>
+              <a:t>Prototypin</a:t>
+            </a:r>
+            <a:r>
+              <a:rPr sz="1167" dirty="0">
+                <a:latin typeface="Book Antiqua"/>
+                <a:cs typeface="Book Antiqua"/>
+              </a:rPr>
+              <a:t>g</a:t>
+            </a:r>
+            <a:r>
+              <a:rPr sz="1167" spc="-5" dirty="0">
+                <a:latin typeface="Book Antiqua"/>
+                <a:cs typeface="Book Antiqua"/>
+              </a:rPr>
+              <a:t> an</a:t>
+            </a:r>
+            <a:r>
+              <a:rPr sz="1167" dirty="0">
+                <a:latin typeface="Book Antiqua"/>
+                <a:cs typeface="Book Antiqua"/>
+              </a:rPr>
+              <a:t>d </a:t>
+            </a:r>
+            <a:r>
+              <a:rPr sz="1167" spc="-5" dirty="0">
+                <a:latin typeface="Book Antiqua"/>
+                <a:cs typeface="Book Antiqua"/>
+              </a:rPr>
+              <a:t>GU</a:t>
+            </a:r>
+            <a:r>
+              <a:rPr sz="1167" dirty="0">
+                <a:latin typeface="Book Antiqua"/>
+                <a:cs typeface="Book Antiqua"/>
+              </a:rPr>
+              <a:t>I Design 		</a:t>
+            </a:r>
+            <a:r>
+              <a:rPr sz="1167" spc="-292" dirty="0">
+                <a:latin typeface="Book Antiqua"/>
+                <a:cs typeface="Book Antiqua"/>
+              </a:rPr>
+              <a:t> </a:t>
+            </a:r>
+            <a:r>
+              <a:rPr sz="1167" spc="-5" dirty="0">
+                <a:latin typeface="Book Antiqua"/>
+                <a:cs typeface="Book Antiqua"/>
+              </a:rPr>
+              <a:t>62  </a:t>
+            </a:r>
+            <a:r>
+              <a:rPr sz="1167" b="1" dirty="0">
+                <a:latin typeface="Book Antiqua"/>
+                <a:cs typeface="Book Antiqua"/>
+              </a:rPr>
+              <a:t>Lecture</a:t>
+            </a:r>
+            <a:r>
+              <a:rPr sz="1167" b="1" spc="-5" dirty="0">
+                <a:latin typeface="Book Antiqua"/>
+                <a:cs typeface="Book Antiqua"/>
+              </a:rPr>
+              <a:t> </a:t>
+            </a:r>
+            <a:r>
+              <a:rPr sz="1167" b="1" dirty="0">
+                <a:latin typeface="Book Antiqua"/>
+                <a:cs typeface="Book Antiqua"/>
+              </a:rPr>
+              <a:t>11: </a:t>
+            </a:r>
+            <a:r>
+              <a:rPr sz="1167" dirty="0">
+                <a:latin typeface="Book Antiqua"/>
+                <a:cs typeface="Book Antiqua"/>
+              </a:rPr>
+              <a:t>Software</a:t>
+            </a:r>
+            <a:r>
+              <a:rPr sz="1167" spc="-5" dirty="0">
+                <a:latin typeface="Book Antiqua"/>
+                <a:cs typeface="Book Antiqua"/>
+              </a:rPr>
+              <a:t> </a:t>
+            </a:r>
+            <a:r>
+              <a:rPr sz="1167" dirty="0">
+                <a:latin typeface="Book Antiqua"/>
+                <a:cs typeface="Book Antiqua"/>
+              </a:rPr>
+              <a:t>Design 		</a:t>
+            </a:r>
+            <a:r>
+              <a:rPr sz="1167" spc="-292" dirty="0">
+                <a:latin typeface="Book Antiqua"/>
+                <a:cs typeface="Book Antiqua"/>
+              </a:rPr>
+              <a:t> </a:t>
+            </a:r>
+            <a:r>
+              <a:rPr sz="1167" dirty="0">
+                <a:latin typeface="Book Antiqua"/>
+                <a:cs typeface="Book Antiqua"/>
+              </a:rPr>
+              <a:t>69  </a:t>
+            </a:r>
+            <a:r>
+              <a:rPr sz="1167" b="1" dirty="0">
+                <a:latin typeface="Book Antiqua"/>
+                <a:cs typeface="Book Antiqua"/>
+              </a:rPr>
+              <a:t>Lecture</a:t>
+            </a:r>
+            <a:r>
+              <a:rPr sz="1167" b="1" spc="-5" dirty="0">
+                <a:latin typeface="Book Antiqua"/>
+                <a:cs typeface="Book Antiqua"/>
+              </a:rPr>
+              <a:t> </a:t>
+            </a:r>
+            <a:r>
+              <a:rPr sz="1167" b="1" dirty="0">
+                <a:latin typeface="Book Antiqua"/>
+                <a:cs typeface="Book Antiqua"/>
+              </a:rPr>
+              <a:t>12: </a:t>
+            </a:r>
+            <a:r>
+              <a:rPr sz="1167" dirty="0">
+                <a:latin typeface="Book Antiqua"/>
+                <a:cs typeface="Book Antiqua"/>
+              </a:rPr>
+              <a:t>Coupling </a:t>
+            </a:r>
+            <a:r>
+              <a:rPr sz="1167" spc="-5" dirty="0">
+                <a:latin typeface="Book Antiqua"/>
+                <a:cs typeface="Book Antiqua"/>
+              </a:rPr>
+              <a:t>an</a:t>
+            </a:r>
+            <a:r>
+              <a:rPr sz="1167" dirty="0">
+                <a:latin typeface="Book Antiqua"/>
+                <a:cs typeface="Book Antiqua"/>
+              </a:rPr>
+              <a:t>d Cohesion 		</a:t>
+            </a:r>
+            <a:r>
+              <a:rPr sz="1167" spc="-292" dirty="0">
+                <a:latin typeface="Book Antiqua"/>
+                <a:cs typeface="Book Antiqua"/>
+              </a:rPr>
+              <a:t> </a:t>
+            </a:r>
+            <a:r>
+              <a:rPr sz="1167" spc="-5" dirty="0">
+                <a:latin typeface="Book Antiqua"/>
+                <a:cs typeface="Book Antiqua"/>
+              </a:rPr>
+              <a:t>72  </a:t>
+            </a:r>
+            <a:r>
+              <a:rPr sz="1167" b="1" dirty="0">
+                <a:latin typeface="Book Antiqua"/>
+                <a:cs typeface="Book Antiqua"/>
+              </a:rPr>
+              <a:t>Lecture</a:t>
+            </a:r>
+            <a:r>
+              <a:rPr sz="1167" b="1" spc="-5" dirty="0">
+                <a:latin typeface="Book Antiqua"/>
+                <a:cs typeface="Book Antiqua"/>
+              </a:rPr>
+              <a:t> </a:t>
+            </a:r>
+            <a:r>
+              <a:rPr sz="1167" b="1" dirty="0">
+                <a:latin typeface="Book Antiqua"/>
+                <a:cs typeface="Book Antiqua"/>
+              </a:rPr>
+              <a:t>13: </a:t>
+            </a:r>
+            <a:r>
+              <a:rPr sz="1167" spc="-5" dirty="0">
+                <a:latin typeface="Book Antiqua"/>
+                <a:cs typeface="Book Antiqua"/>
+              </a:rPr>
+              <a:t>Objec</a:t>
+            </a:r>
+            <a:r>
+              <a:rPr sz="1167" dirty="0">
+                <a:latin typeface="Book Antiqua"/>
+                <a:cs typeface="Book Antiqua"/>
+              </a:rPr>
+              <a:t>t </a:t>
+            </a:r>
+            <a:r>
+              <a:rPr sz="1167" spc="-5" dirty="0">
+                <a:latin typeface="Book Antiqua"/>
+                <a:cs typeface="Book Antiqua"/>
+              </a:rPr>
+              <a:t>Oriente</a:t>
+            </a:r>
+            <a:r>
+              <a:rPr sz="1167" dirty="0">
+                <a:latin typeface="Book Antiqua"/>
+                <a:cs typeface="Book Antiqua"/>
+              </a:rPr>
+              <a:t>d Analysis</a:t>
+            </a:r>
+            <a:r>
+              <a:rPr sz="1167" spc="-5" dirty="0">
+                <a:latin typeface="Book Antiqua"/>
+                <a:cs typeface="Book Antiqua"/>
+              </a:rPr>
+              <a:t> </a:t>
+            </a:r>
+            <a:r>
+              <a:rPr sz="1167" dirty="0">
+                <a:latin typeface="Book Antiqua"/>
+                <a:cs typeface="Book Antiqua"/>
+              </a:rPr>
+              <a:t>and Design 		</a:t>
+            </a:r>
+            <a:r>
+              <a:rPr sz="1167" spc="-287" dirty="0">
+                <a:latin typeface="Book Antiqua"/>
+                <a:cs typeface="Book Antiqua"/>
+              </a:rPr>
+              <a:t> </a:t>
+            </a:r>
+            <a:r>
+              <a:rPr sz="1167" dirty="0">
+                <a:latin typeface="Book Antiqua"/>
+                <a:cs typeface="Book Antiqua"/>
+              </a:rPr>
+              <a:t>83  </a:t>
+            </a:r>
+            <a:r>
+              <a:rPr sz="1167" b="1" dirty="0">
+                <a:latin typeface="Book Antiqua"/>
+                <a:cs typeface="Book Antiqua"/>
+              </a:rPr>
+              <a:t>Lecture</a:t>
+            </a:r>
+            <a:r>
+              <a:rPr sz="1167" b="1" spc="-5" dirty="0">
+                <a:latin typeface="Book Antiqua"/>
+                <a:cs typeface="Book Antiqua"/>
+              </a:rPr>
+              <a:t> </a:t>
+            </a:r>
+            <a:r>
+              <a:rPr sz="1167" b="1" dirty="0">
+                <a:latin typeface="Book Antiqua"/>
+                <a:cs typeface="Book Antiqua"/>
+              </a:rPr>
+              <a:t>14: </a:t>
+            </a:r>
+            <a:r>
+              <a:rPr sz="1167" spc="-5" dirty="0">
+                <a:latin typeface="Book Antiqua"/>
+                <a:cs typeface="Book Antiqua"/>
+              </a:rPr>
+              <a:t>Objec</a:t>
+            </a:r>
+            <a:r>
+              <a:rPr sz="1167" dirty="0">
+                <a:latin typeface="Book Antiqua"/>
+                <a:cs typeface="Book Antiqua"/>
+              </a:rPr>
+              <a:t>t </a:t>
+            </a:r>
+            <a:r>
+              <a:rPr sz="1167" spc="-5" dirty="0">
+                <a:latin typeface="Book Antiqua"/>
+                <a:cs typeface="Book Antiqua"/>
+              </a:rPr>
+              <a:t>Oriente</a:t>
+            </a:r>
+            <a:r>
+              <a:rPr sz="1167" dirty="0">
+                <a:latin typeface="Book Antiqua"/>
+                <a:cs typeface="Book Antiqua"/>
+              </a:rPr>
+              <a:t>d Analysis</a:t>
+            </a:r>
+            <a:r>
+              <a:rPr sz="1167" spc="-5" dirty="0">
+                <a:latin typeface="Book Antiqua"/>
+                <a:cs typeface="Book Antiqua"/>
+              </a:rPr>
+              <a:t> </a:t>
+            </a:r>
+            <a:r>
+              <a:rPr sz="1167" dirty="0">
+                <a:latin typeface="Book Antiqua"/>
+                <a:cs typeface="Book Antiqua"/>
+              </a:rPr>
+              <a:t>and Design-2 		</a:t>
+            </a:r>
+            <a:r>
+              <a:rPr sz="1167" spc="-292" dirty="0">
+                <a:latin typeface="Book Antiqua"/>
+                <a:cs typeface="Book Antiqua"/>
+              </a:rPr>
+              <a:t> </a:t>
+            </a:r>
+            <a:r>
+              <a:rPr sz="1167" dirty="0">
+                <a:latin typeface="Book Antiqua"/>
+                <a:cs typeface="Book Antiqua"/>
+              </a:rPr>
+              <a:t>89  </a:t>
+            </a:r>
+            <a:r>
+              <a:rPr sz="1167" b="1" dirty="0">
+                <a:latin typeface="Book Antiqua"/>
+                <a:cs typeface="Book Antiqua"/>
+              </a:rPr>
+              <a:t>Lecture</a:t>
+            </a:r>
+            <a:r>
+              <a:rPr sz="1167" b="1" spc="-5" dirty="0">
+                <a:latin typeface="Book Antiqua"/>
+                <a:cs typeface="Book Antiqua"/>
+              </a:rPr>
+              <a:t> </a:t>
+            </a:r>
+            <a:r>
+              <a:rPr sz="1167" b="1" dirty="0">
+                <a:latin typeface="Book Antiqua"/>
+                <a:cs typeface="Book Antiqua"/>
+              </a:rPr>
+              <a:t>15: </a:t>
+            </a:r>
+            <a:r>
+              <a:rPr sz="1167" dirty="0">
+                <a:latin typeface="Book Antiqua"/>
+                <a:cs typeface="Book Antiqua"/>
+              </a:rPr>
+              <a:t>UML</a:t>
+            </a:r>
+            <a:r>
+              <a:rPr sz="1167" spc="-5" dirty="0">
+                <a:latin typeface="Book Antiqua"/>
+                <a:cs typeface="Book Antiqua"/>
+              </a:rPr>
+              <a:t> Objec</a:t>
+            </a:r>
+            <a:r>
+              <a:rPr sz="1167" dirty="0">
+                <a:latin typeface="Book Antiqua"/>
+                <a:cs typeface="Book Antiqua"/>
+              </a:rPr>
+              <a:t>t Model</a:t>
+            </a:r>
+            <a:r>
+              <a:rPr sz="1167" spc="-5" dirty="0">
+                <a:latin typeface="Book Antiqua"/>
+                <a:cs typeface="Book Antiqua"/>
+              </a:rPr>
+              <a:t> Notations</a:t>
+            </a:r>
+            <a:r>
+              <a:rPr sz="1167" dirty="0">
+                <a:latin typeface="Book Antiqua"/>
+                <a:cs typeface="Book Antiqua"/>
+              </a:rPr>
+              <a:t> 		</a:t>
+            </a:r>
+            <a:r>
+              <a:rPr sz="1167" spc="-287" dirty="0">
+                <a:latin typeface="Book Antiqua"/>
+                <a:cs typeface="Book Antiqua"/>
+              </a:rPr>
+              <a:t> </a:t>
+            </a:r>
+            <a:r>
+              <a:rPr sz="1167" dirty="0">
+                <a:latin typeface="Book Antiqua"/>
+                <a:cs typeface="Book Antiqua"/>
+              </a:rPr>
+              <a:t>92  </a:t>
+            </a:r>
+            <a:r>
+              <a:rPr sz="1167" b="1" dirty="0">
+                <a:latin typeface="Book Antiqua"/>
+                <a:cs typeface="Book Antiqua"/>
+              </a:rPr>
+              <a:t>Lecture 16: </a:t>
+            </a:r>
+            <a:r>
+              <a:rPr sz="1167" dirty="0">
+                <a:latin typeface="Book Antiqua"/>
+                <a:cs typeface="Book Antiqua"/>
+              </a:rPr>
+              <a:t>Derivation of </a:t>
+            </a:r>
+            <a:r>
+              <a:rPr sz="1167" spc="-5" dirty="0">
+                <a:latin typeface="Book Antiqua"/>
+                <a:cs typeface="Book Antiqua"/>
+              </a:rPr>
+              <a:t>Object</a:t>
+            </a:r>
+            <a:r>
+              <a:rPr sz="1167" spc="-19" dirty="0">
+                <a:latin typeface="Book Antiqua"/>
+                <a:cs typeface="Book Antiqua"/>
+              </a:rPr>
+              <a:t> </a:t>
+            </a:r>
+            <a:r>
+              <a:rPr sz="1167" dirty="0">
+                <a:latin typeface="Book Antiqua"/>
+                <a:cs typeface="Book Antiqua"/>
+              </a:rPr>
+              <a:t>Model-Coad</a:t>
+            </a:r>
+            <a:r>
+              <a:rPr sz="1167" spc="-5" dirty="0">
+                <a:latin typeface="Book Antiqua"/>
+                <a:cs typeface="Book Antiqua"/>
+              </a:rPr>
+              <a:t> </a:t>
+            </a:r>
+            <a:r>
+              <a:rPr sz="1167" dirty="0">
+                <a:latin typeface="Book Antiqua"/>
+                <a:cs typeface="Book Antiqua"/>
+              </a:rPr>
+              <a:t>Methodology	93  </a:t>
+            </a:r>
+            <a:r>
+              <a:rPr sz="1167" b="1" dirty="0">
+                <a:latin typeface="Book Antiqua"/>
+                <a:cs typeface="Book Antiqua"/>
+              </a:rPr>
+              <a:t>Lecture</a:t>
+            </a:r>
+            <a:r>
+              <a:rPr sz="1167" b="1" spc="-5" dirty="0">
+                <a:latin typeface="Book Antiqua"/>
+                <a:cs typeface="Book Antiqua"/>
+              </a:rPr>
+              <a:t> </a:t>
+            </a:r>
+            <a:r>
+              <a:rPr sz="1167" b="1" dirty="0">
+                <a:latin typeface="Book Antiqua"/>
+                <a:cs typeface="Book Antiqua"/>
+              </a:rPr>
+              <a:t>17:</a:t>
+            </a:r>
+            <a:r>
+              <a:rPr sz="1167" b="1" spc="-5" dirty="0">
+                <a:latin typeface="Book Antiqua"/>
+                <a:cs typeface="Book Antiqua"/>
+              </a:rPr>
+              <a:t> </a:t>
+            </a:r>
+            <a:r>
+              <a:rPr sz="1167" dirty="0">
+                <a:latin typeface="Book Antiqua"/>
+                <a:cs typeface="Book Antiqua"/>
+              </a:rPr>
+              <a:t>Derivation</a:t>
+            </a:r>
+            <a:r>
+              <a:rPr sz="1167" spc="-5" dirty="0">
+                <a:latin typeface="Book Antiqua"/>
+                <a:cs typeface="Book Antiqua"/>
+              </a:rPr>
+              <a:t> </a:t>
+            </a:r>
+            <a:r>
+              <a:rPr sz="1167" dirty="0">
+                <a:latin typeface="Book Antiqua"/>
+                <a:cs typeface="Book Antiqua"/>
+              </a:rPr>
+              <a:t>of</a:t>
+            </a:r>
+            <a:r>
+              <a:rPr sz="1167" spc="-5" dirty="0">
+                <a:latin typeface="Book Antiqua"/>
+                <a:cs typeface="Book Antiqua"/>
+              </a:rPr>
+              <a:t> Objec</a:t>
+            </a:r>
+            <a:r>
+              <a:rPr sz="1167" dirty="0">
+                <a:latin typeface="Book Antiqua"/>
+                <a:cs typeface="Book Antiqua"/>
+              </a:rPr>
+              <a:t>t</a:t>
+            </a:r>
+            <a:r>
+              <a:rPr sz="1167" spc="-5" dirty="0">
+                <a:latin typeface="Book Antiqua"/>
+                <a:cs typeface="Book Antiqua"/>
+              </a:rPr>
+              <a:t> </a:t>
+            </a:r>
+            <a:r>
+              <a:rPr sz="1167" dirty="0">
+                <a:latin typeface="Book Antiqua"/>
+                <a:cs typeface="Book Antiqua"/>
+              </a:rPr>
+              <a:t>Mod</a:t>
+            </a:r>
+            <a:r>
+              <a:rPr sz="1167" spc="5" dirty="0">
+                <a:latin typeface="Book Antiqua"/>
+                <a:cs typeface="Book Antiqua"/>
+              </a:rPr>
+              <a:t>e</a:t>
+            </a:r>
+            <a:r>
+              <a:rPr sz="1167" spc="-5" dirty="0">
+                <a:latin typeface="Book Antiqua"/>
+                <a:cs typeface="Book Antiqua"/>
+              </a:rPr>
+              <a:t>l-Coa</a:t>
+            </a:r>
+            <a:r>
+              <a:rPr sz="1167" dirty="0">
+                <a:latin typeface="Book Antiqua"/>
+                <a:cs typeface="Book Antiqua"/>
+              </a:rPr>
+              <a:t>d Methodology</a:t>
+            </a:r>
+            <a:r>
+              <a:rPr sz="1167" spc="-5" dirty="0">
+                <a:latin typeface="Book Antiqua"/>
+                <a:cs typeface="Book Antiqua"/>
+              </a:rPr>
+              <a:t> -2</a:t>
+            </a:r>
+            <a:r>
+              <a:rPr sz="1167" dirty="0">
+                <a:latin typeface="Book Antiqua"/>
+                <a:cs typeface="Book Antiqua"/>
+              </a:rPr>
+              <a:t> 	</a:t>
+            </a:r>
+            <a:r>
+              <a:rPr sz="1167" spc="-204" dirty="0">
+                <a:latin typeface="Book Antiqua"/>
+                <a:cs typeface="Book Antiqua"/>
+              </a:rPr>
+              <a:t> </a:t>
+            </a:r>
+            <a:r>
+              <a:rPr sz="1167" spc="-5" dirty="0">
+                <a:latin typeface="Book Antiqua"/>
+                <a:cs typeface="Book Antiqua"/>
+              </a:rPr>
+              <a:t>95</a:t>
+            </a:r>
+            <a:endParaRPr sz="1167">
+              <a:latin typeface="Book Antiqua"/>
+              <a:cs typeface="Book Antiqua"/>
+            </a:endParaRPr>
+          </a:p>
+          <a:p>
+            <a:pPr>
+              <a:spcBef>
+                <a:spcPts val="10"/>
+              </a:spcBef>
+            </a:pPr>
+            <a:endParaRPr sz="1069">
+              <a:latin typeface="Times New Roman"/>
+              <a:cs typeface="Times New Roman"/>
+            </a:endParaRPr>
+          </a:p>
+          <a:p>
+            <a:pPr marL="12347" algn="just">
+              <a:tabLst>
+                <a:tab pos="5201766" algn="l"/>
+              </a:tabLst>
+            </a:pPr>
+            <a:r>
+              <a:rPr sz="1167" b="1" dirty="0">
+                <a:latin typeface="Book Antiqua"/>
+                <a:cs typeface="Book Antiqua"/>
+              </a:rPr>
+              <a:t>Lecture</a:t>
+            </a:r>
+            <a:r>
+              <a:rPr sz="1167" b="1" spc="-5" dirty="0">
+                <a:latin typeface="Book Antiqua"/>
+                <a:cs typeface="Book Antiqua"/>
+              </a:rPr>
+              <a:t> </a:t>
+            </a:r>
+            <a:r>
+              <a:rPr sz="1167" b="1" dirty="0">
+                <a:latin typeface="Book Antiqua"/>
+                <a:cs typeface="Book Antiqua"/>
+              </a:rPr>
+              <a:t>18: </a:t>
+            </a:r>
+            <a:r>
+              <a:rPr sz="1167" dirty="0">
+                <a:latin typeface="Book Antiqua"/>
+                <a:cs typeface="Book Antiqua"/>
+              </a:rPr>
+              <a:t>CASE STUDY: Connie’s Convenience Store 	97</a:t>
+            </a:r>
+            <a:endParaRPr sz="1167">
+              <a:latin typeface="Book Antiqua"/>
+              <a:cs typeface="Book Antiqua"/>
+            </a:endParaRPr>
+          </a:p>
+          <a:p>
+            <a:pPr>
+              <a:spcBef>
+                <a:spcPts val="29"/>
+              </a:spcBef>
+            </a:pPr>
+            <a:endParaRPr sz="1215">
+              <a:latin typeface="Times New Roman"/>
+              <a:cs typeface="Times New Roman"/>
+            </a:endParaRPr>
+          </a:p>
+          <a:p>
+            <a:pPr marL="12347" algn="just">
+              <a:tabLst>
+                <a:tab pos="5127684" algn="l"/>
+              </a:tabLst>
+            </a:pPr>
+            <a:r>
+              <a:rPr sz="1167" b="1" dirty="0">
+                <a:latin typeface="Book Antiqua"/>
+                <a:cs typeface="Book Antiqua"/>
+              </a:rPr>
+              <a:t>Lecture</a:t>
+            </a:r>
+            <a:r>
+              <a:rPr sz="1167" b="1" spc="-5" dirty="0">
+                <a:latin typeface="Book Antiqua"/>
+                <a:cs typeface="Book Antiqua"/>
+              </a:rPr>
+              <a:t> </a:t>
+            </a:r>
+            <a:r>
+              <a:rPr sz="1167" b="1" dirty="0">
+                <a:latin typeface="Book Antiqua"/>
+                <a:cs typeface="Book Antiqua"/>
+              </a:rPr>
+              <a:t>19: </a:t>
+            </a:r>
+            <a:r>
+              <a:rPr sz="1167" dirty="0">
+                <a:latin typeface="Book Antiqua"/>
+                <a:cs typeface="Book Antiqua"/>
+              </a:rPr>
+              <a:t>Identify</a:t>
+            </a:r>
+            <a:r>
+              <a:rPr sz="1167" spc="-5" dirty="0">
+                <a:latin typeface="Book Antiqua"/>
+                <a:cs typeface="Book Antiqua"/>
+              </a:rPr>
+              <a:t> </a:t>
+            </a:r>
+            <a:r>
+              <a:rPr sz="1167" dirty="0">
+                <a:latin typeface="Book Antiqua"/>
+                <a:cs typeface="Book Antiqua"/>
+              </a:rPr>
+              <a:t>Structure 	100</a:t>
+            </a:r>
+            <a:endParaRPr sz="1167">
+              <a:latin typeface="Book Antiqua"/>
+              <a:cs typeface="Book Antiqua"/>
+            </a:endParaRPr>
+          </a:p>
+          <a:p>
+            <a:pPr marL="12347" marR="4939" algn="just">
+              <a:lnSpc>
+                <a:spcPct val="202300"/>
+              </a:lnSpc>
+              <a:spcBef>
+                <a:spcPts val="5"/>
+              </a:spcBef>
+              <a:tabLst>
+                <a:tab pos="5127067" algn="l"/>
+              </a:tabLst>
+            </a:pPr>
+            <a:r>
+              <a:rPr sz="1167" b="1" dirty="0">
+                <a:latin typeface="Book Antiqua"/>
+                <a:cs typeface="Book Antiqua"/>
+              </a:rPr>
+              <a:t>Lecture</a:t>
+            </a:r>
+            <a:r>
+              <a:rPr sz="1167" b="1" spc="-5" dirty="0">
+                <a:latin typeface="Book Antiqua"/>
+                <a:cs typeface="Book Antiqua"/>
+              </a:rPr>
+              <a:t> </a:t>
+            </a:r>
+            <a:r>
+              <a:rPr sz="1167" b="1" dirty="0">
+                <a:latin typeface="Book Antiqua"/>
+                <a:cs typeface="Book Antiqua"/>
+              </a:rPr>
+              <a:t>20: </a:t>
+            </a:r>
+            <a:r>
+              <a:rPr sz="1167" dirty="0">
+                <a:latin typeface="Book Antiqua"/>
+                <a:cs typeface="Book Antiqua"/>
+              </a:rPr>
+              <a:t>Interaction</a:t>
+            </a:r>
+            <a:r>
+              <a:rPr sz="1167" spc="-5" dirty="0">
+                <a:latin typeface="Book Antiqua"/>
+                <a:cs typeface="Book Antiqua"/>
+              </a:rPr>
+              <a:t> </a:t>
+            </a:r>
+            <a:r>
+              <a:rPr sz="1167" dirty="0">
+                <a:latin typeface="Book Antiqua"/>
+                <a:cs typeface="Book Antiqua"/>
+              </a:rPr>
+              <a:t>Diagrams 	106  </a:t>
+            </a:r>
+            <a:r>
+              <a:rPr sz="1167" b="1" dirty="0">
+                <a:latin typeface="Book Antiqua"/>
+                <a:cs typeface="Book Antiqua"/>
+              </a:rPr>
+              <a:t>Lecture</a:t>
+            </a:r>
+            <a:r>
+              <a:rPr sz="1167" b="1" spc="-5" dirty="0">
+                <a:latin typeface="Book Antiqua"/>
+                <a:cs typeface="Book Antiqua"/>
+              </a:rPr>
+              <a:t> </a:t>
+            </a:r>
+            <a:r>
+              <a:rPr sz="1167" b="1" dirty="0">
+                <a:latin typeface="Book Antiqua"/>
+                <a:cs typeface="Book Antiqua"/>
+              </a:rPr>
+              <a:t>21:</a:t>
+            </a:r>
+            <a:r>
+              <a:rPr sz="1167" b="1" spc="-5" dirty="0">
+                <a:latin typeface="Book Antiqua"/>
+                <a:cs typeface="Book Antiqua"/>
+              </a:rPr>
+              <a:t> </a:t>
+            </a:r>
+            <a:r>
+              <a:rPr sz="1167" dirty="0">
+                <a:latin typeface="Book Antiqua"/>
+                <a:cs typeface="Book Antiqua"/>
+              </a:rPr>
+              <a:t>Sequence</a:t>
+            </a:r>
+            <a:r>
+              <a:rPr sz="1167" spc="-5" dirty="0">
+                <a:latin typeface="Book Antiqua"/>
+                <a:cs typeface="Book Antiqua"/>
+              </a:rPr>
+              <a:t> </a:t>
+            </a:r>
+            <a:r>
+              <a:rPr sz="1167" dirty="0">
+                <a:latin typeface="Book Antiqua"/>
+                <a:cs typeface="Book Antiqua"/>
+              </a:rPr>
+              <a:t>Diagrams</a:t>
+            </a:r>
+            <a:r>
+              <a:rPr sz="1167" spc="-5" dirty="0">
+                <a:latin typeface="Book Antiqua"/>
+                <a:cs typeface="Book Antiqua"/>
+              </a:rPr>
+              <a:t> </a:t>
+            </a:r>
+            <a:r>
+              <a:rPr sz="1167" dirty="0">
+                <a:latin typeface="Book Antiqua"/>
+                <a:cs typeface="Book Antiqua"/>
+              </a:rPr>
+              <a:t>(Message</a:t>
+            </a:r>
+            <a:r>
+              <a:rPr sz="1167" spc="-5" dirty="0">
+                <a:latin typeface="Book Antiqua"/>
+                <a:cs typeface="Book Antiqua"/>
+              </a:rPr>
+              <a:t> </a:t>
+            </a:r>
+            <a:r>
+              <a:rPr sz="1167" dirty="0">
+                <a:latin typeface="Book Antiqua"/>
+                <a:cs typeface="Book Antiqua"/>
+              </a:rPr>
+              <a:t>Types) 	108  </a:t>
+            </a:r>
+            <a:r>
+              <a:rPr sz="1167" b="1" dirty="0">
+                <a:latin typeface="Book Antiqua"/>
+                <a:cs typeface="Book Antiqua"/>
+              </a:rPr>
+              <a:t>Lecture</a:t>
+            </a:r>
+            <a:r>
+              <a:rPr sz="1167" b="1" spc="-5" dirty="0">
+                <a:latin typeface="Book Antiqua"/>
+                <a:cs typeface="Book Antiqua"/>
+              </a:rPr>
+              <a:t> </a:t>
+            </a:r>
+            <a:r>
+              <a:rPr sz="1167" b="1" dirty="0">
+                <a:latin typeface="Book Antiqua"/>
+                <a:cs typeface="Book Antiqua"/>
+              </a:rPr>
+              <a:t>22: </a:t>
+            </a:r>
+            <a:r>
+              <a:rPr sz="1167" dirty="0">
+                <a:latin typeface="Book Antiqua"/>
+                <a:cs typeface="Book Antiqua"/>
+              </a:rPr>
+              <a:t>Software</a:t>
+            </a:r>
+            <a:r>
+              <a:rPr sz="1167" spc="-5" dirty="0">
+                <a:latin typeface="Book Antiqua"/>
+                <a:cs typeface="Book Antiqua"/>
+              </a:rPr>
+              <a:t> </a:t>
+            </a:r>
+            <a:r>
+              <a:rPr sz="1167" dirty="0">
+                <a:latin typeface="Book Antiqua"/>
+                <a:cs typeface="Book Antiqua"/>
+              </a:rPr>
+              <a:t>and System</a:t>
+            </a:r>
+            <a:r>
+              <a:rPr sz="1167" spc="-5" dirty="0">
+                <a:latin typeface="Book Antiqua"/>
+                <a:cs typeface="Book Antiqua"/>
+              </a:rPr>
+              <a:t> </a:t>
+            </a:r>
+            <a:r>
+              <a:rPr sz="1167" dirty="0">
+                <a:latin typeface="Book Antiqua"/>
+                <a:cs typeface="Book Antiqua"/>
+              </a:rPr>
+              <a:t>Architecture 	</a:t>
+            </a:r>
+            <a:r>
+              <a:rPr sz="1167" spc="-292" dirty="0">
+                <a:latin typeface="Book Antiqua"/>
+                <a:cs typeface="Book Antiqua"/>
+              </a:rPr>
+              <a:t> </a:t>
+            </a:r>
+            <a:r>
+              <a:rPr sz="1167" dirty="0">
+                <a:latin typeface="Book Antiqua"/>
+                <a:cs typeface="Book Antiqua"/>
+              </a:rPr>
+              <a:t>115</a:t>
+            </a:r>
+            <a:endParaRPr sz="1167">
+              <a:latin typeface="Book Antiqua"/>
+              <a:cs typeface="Book Antiqua"/>
+            </a:endParaRPr>
+          </a:p>
+        </p:txBody>
+      </p:sp>
+      <p:sp>
+        <p:nvSpPr>
+          <p:cNvPr id="7" name="object 7"/>
+          <p:cNvSpPr/>
+          <p:nvPr/>
+        </p:nvSpPr>
+        <p:spPr>
+          <a:xfrm>
+            <a:off x="5911849" y="9717763"/>
+            <a:ext cx="370417" cy="0"/>
+          </a:xfrm>
+          <a:custGeom>
+            <a:avLst/>
+            <a:gdLst/>
+            <a:ahLst/>
+            <a:cxnLst/>
+            <a:rect l="l" t="t" r="r" b="b"/>
+            <a:pathLst>
+              <a:path w="381000">
+                <a:moveTo>
+                  <a:pt x="0" y="0"/>
+                </a:moveTo>
+                <a:lnTo>
+                  <a:pt x="381000" y="0"/>
+                </a:lnTo>
+              </a:path>
+            </a:pathLst>
+          </a:custGeom>
+          <a:ln w="6096">
+            <a:solidFill>
+              <a:srgbClr val="000000"/>
+            </a:solidFill>
+          </a:ln>
+        </p:spPr>
+        <p:txBody>
+          <a:bodyPr wrap="square" lIns="0" tIns="0" rIns="0" bIns="0" rtlCol="0"/>
+          <a:lstStyle/>
+          <a:p>
+            <a:endParaRPr sz="1750"/>
+          </a:p>
+        </p:txBody>
+      </p:sp>
+      <p:sp>
+        <p:nvSpPr>
+          <p:cNvPr id="8" name="object 8"/>
+          <p:cNvSpPr txBox="1"/>
+          <p:nvPr/>
+        </p:nvSpPr>
+        <p:spPr>
+          <a:xfrm>
+            <a:off x="2232378" y="9726800"/>
+            <a:ext cx="2578100" cy="166712"/>
+          </a:xfrm>
+          <a:prstGeom prst="rect">
+            <a:avLst/>
+          </a:prstGeom>
+        </p:spPr>
+        <p:txBody>
+          <a:bodyPr vert="horz" wrap="square" lIns="0" tIns="0" rIns="0" bIns="0" rtlCol="0">
+            <a:spAutoFit/>
+          </a:bodyPr>
+          <a:lstStyle/>
+          <a:p>
+            <a:pPr marL="12347">
+              <a:lnSpc>
+                <a:spcPts val="1269"/>
+              </a:lnSpc>
+            </a:pPr>
+            <a:r>
+              <a:rPr sz="1167" dirty="0">
+                <a:latin typeface="Times New Roman"/>
+                <a:cs typeface="Times New Roman"/>
+              </a:rPr>
+              <a:t>©</a:t>
+            </a:r>
+            <a:r>
+              <a:rPr sz="1167" spc="-39" dirty="0">
+                <a:latin typeface="Times New Roman"/>
+                <a:cs typeface="Times New Roman"/>
+              </a:rPr>
+              <a:t> </a:t>
+            </a:r>
+            <a:r>
+              <a:rPr sz="1167" dirty="0">
+                <a:latin typeface="Times New Roman"/>
+                <a:cs typeface="Times New Roman"/>
+              </a:rPr>
+              <a:t>Copyright</a:t>
+            </a:r>
+            <a:r>
+              <a:rPr sz="1167" spc="-68" dirty="0">
+                <a:latin typeface="Times New Roman"/>
+                <a:cs typeface="Times New Roman"/>
+              </a:rPr>
+              <a:t> </a:t>
+            </a:r>
+            <a:r>
+              <a:rPr sz="1167" dirty="0">
+                <a:latin typeface="Times New Roman"/>
+                <a:cs typeface="Times New Roman"/>
+              </a:rPr>
+              <a:t>Virtual</a:t>
+            </a:r>
+            <a:r>
+              <a:rPr sz="1167" spc="-58" dirty="0">
+                <a:latin typeface="Times New Roman"/>
+                <a:cs typeface="Times New Roman"/>
+              </a:rPr>
+              <a:t> </a:t>
+            </a:r>
+            <a:r>
+              <a:rPr sz="1167" dirty="0">
+                <a:latin typeface="Times New Roman"/>
+                <a:cs typeface="Times New Roman"/>
+              </a:rPr>
+              <a:t>University</a:t>
+            </a:r>
+            <a:r>
+              <a:rPr sz="1167" spc="-68" dirty="0">
+                <a:latin typeface="Times New Roman"/>
+                <a:cs typeface="Times New Roman"/>
+              </a:rPr>
+              <a:t> </a:t>
+            </a:r>
+            <a:r>
+              <a:rPr sz="1167" dirty="0">
+                <a:latin typeface="Times New Roman"/>
+                <a:cs typeface="Times New Roman"/>
+              </a:rPr>
+              <a:t>of</a:t>
+            </a:r>
+            <a:r>
+              <a:rPr sz="1167" spc="-24" dirty="0">
+                <a:latin typeface="Times New Roman"/>
+                <a:cs typeface="Times New Roman"/>
+              </a:rPr>
+              <a:t> </a:t>
+            </a:r>
+            <a:r>
+              <a:rPr sz="1167" dirty="0">
+                <a:latin typeface="Times New Roman"/>
+                <a:cs typeface="Times New Roman"/>
+              </a:rPr>
+              <a:t>Pakistan</a:t>
+            </a:r>
+            <a:endParaRPr sz="1167">
+              <a:latin typeface="Times New Roman"/>
+              <a:cs typeface="Times New Roman"/>
+            </a:endParaRPr>
+          </a:p>
+        </p:txBody>
+      </p:sp>
+    </p:spTree>
+    <p:extLst>
+      <p:ext uri="{BB962C8B-B14F-4D97-AF65-F5344CB8AC3E}">
+        <p14:creationId xmlns:p14="http://schemas.microsoft.com/office/powerpoint/2010/main" val="2693135915"/>
+      </p:ext>
+    </p:extLst>
+  </p:cSld>
+  <p:clrMapOvr>
+    <a:masterClrMapping/>
+  </p:clrMapOvr>
+</p:sld>
+</file>
+
+<file path=ppt/slides/slide3.xml><?xml version="1.0" encoding="utf-8"?>
+<p:sld xmlns:a="http://schemas.openxmlformats.org/drawingml/2006/main" xmlns:r="http://schemas.openxmlformats.org/officeDocument/2006/relationships" xmlns:p="http://schemas.openxmlformats.org/presentationml/2006/main">
+  <p:cSld>
+    <p:spTree>
+      <p:nvGrpSpPr>
+        <p:cNvPr id="1" name=""/>
+        <p:cNvGrpSpPr/>
+        <p:nvPr/>
+      </p:nvGrpSpPr>
+      <p:grpSpPr>
+        <a:xfrm>
+          <a:off x="0" y="0"/>
+          <a:ext cx="0" cy="0"/>
+          <a:chOff x="0" y="0"/>
+          <a:chExt cx="0" cy="0"/>
+        </a:xfrm>
+      </p:grpSpPr>
+      <p:sp>
+        <p:nvSpPr>
+          <p:cNvPr id="2" name="object 2"/>
+          <p:cNvSpPr txBox="1"/>
+          <p:nvPr/>
+        </p:nvSpPr>
+        <p:spPr>
+          <a:xfrm>
+            <a:off x="812185" y="889846"/>
+            <a:ext cx="1964443" cy="179601"/>
+          </a:xfrm>
+          <a:prstGeom prst="rect">
+            <a:avLst/>
+          </a:prstGeom>
+        </p:spPr>
+        <p:txBody>
+          <a:bodyPr vert="horz" wrap="square" lIns="0" tIns="0" rIns="0" bIns="0" rtlCol="0">
+            <a:spAutoFit/>
+          </a:bodyPr>
+          <a:lstStyle/>
+          <a:p>
+            <a:pPr marL="12347"/>
+            <a:r>
+              <a:rPr sz="1167" spc="-5" dirty="0">
+                <a:latin typeface="Times New Roman"/>
+                <a:cs typeface="Times New Roman"/>
+              </a:rPr>
+              <a:t>CS504-Software Engineering </a:t>
+            </a:r>
+            <a:r>
+              <a:rPr sz="1167" dirty="0">
+                <a:latin typeface="Times New Roman"/>
+                <a:cs typeface="Times New Roman"/>
+              </a:rPr>
+              <a:t>–</a:t>
+            </a:r>
+            <a:r>
+              <a:rPr sz="1167" spc="-141" dirty="0">
+                <a:latin typeface="Times New Roman"/>
+                <a:cs typeface="Times New Roman"/>
+              </a:rPr>
+              <a:t> </a:t>
+            </a:r>
+            <a:r>
+              <a:rPr sz="1167" dirty="0">
+                <a:latin typeface="Times New Roman"/>
+                <a:cs typeface="Times New Roman"/>
+              </a:rPr>
+              <a:t>I</a:t>
+            </a:r>
+            <a:endParaRPr sz="1167">
+              <a:latin typeface="Times New Roman"/>
+              <a:cs typeface="Times New Roman"/>
+            </a:endParaRPr>
+          </a:p>
+        </p:txBody>
+      </p:sp>
+      <p:sp>
+        <p:nvSpPr>
+          <p:cNvPr id="3" name="object 3"/>
+          <p:cNvSpPr txBox="1"/>
+          <p:nvPr/>
+        </p:nvSpPr>
+        <p:spPr>
+          <a:xfrm>
+            <a:off x="6047417" y="889846"/>
+            <a:ext cx="238919" cy="179601"/>
+          </a:xfrm>
+          <a:prstGeom prst="rect">
+            <a:avLst/>
+          </a:prstGeom>
+        </p:spPr>
+        <p:txBody>
+          <a:bodyPr vert="horz" wrap="square" lIns="0" tIns="0" rIns="0" bIns="0" rtlCol="0">
+            <a:spAutoFit/>
+          </a:bodyPr>
+          <a:lstStyle/>
+          <a:p>
+            <a:pPr marL="12347"/>
+            <a:r>
+              <a:rPr sz="1167" spc="-10" dirty="0">
+                <a:latin typeface="Times New Roman"/>
+                <a:cs typeface="Times New Roman"/>
+              </a:rPr>
+              <a:t>VU</a:t>
+            </a:r>
+            <a:endParaRPr sz="1167">
+              <a:latin typeface="Times New Roman"/>
+              <a:cs typeface="Times New Roman"/>
+            </a:endParaRPr>
+          </a:p>
+        </p:txBody>
+      </p:sp>
+      <p:sp>
+        <p:nvSpPr>
+          <p:cNvPr id="4" name="object 4"/>
+          <p:cNvSpPr/>
+          <p:nvPr/>
+        </p:nvSpPr>
+        <p:spPr>
+          <a:xfrm>
+            <a:off x="787505" y="1058015"/>
+            <a:ext cx="5487723" cy="0"/>
+          </a:xfrm>
+          <a:custGeom>
+            <a:avLst/>
+            <a:gdLst/>
+            <a:ahLst/>
+            <a:cxnLst/>
+            <a:rect l="l" t="t" r="r" b="b"/>
+            <a:pathLst>
+              <a:path w="5644515">
+                <a:moveTo>
+                  <a:pt x="0" y="0"/>
+                </a:moveTo>
+                <a:lnTo>
+                  <a:pt x="5644134" y="0"/>
+                </a:lnTo>
+              </a:path>
+            </a:pathLst>
+          </a:custGeom>
+          <a:ln w="7620">
+            <a:solidFill>
+              <a:srgbClr val="000000"/>
+            </a:solidFill>
+          </a:ln>
+        </p:spPr>
+        <p:txBody>
+          <a:bodyPr wrap="square" lIns="0" tIns="0" rIns="0" bIns="0" rtlCol="0"/>
+          <a:lstStyle/>
+          <a:p>
+            <a:endParaRPr sz="1750"/>
+          </a:p>
+        </p:txBody>
+      </p:sp>
+      <p:sp>
+        <p:nvSpPr>
+          <p:cNvPr id="5" name="object 5"/>
+          <p:cNvSpPr/>
+          <p:nvPr/>
+        </p:nvSpPr>
+        <p:spPr>
+          <a:xfrm>
+            <a:off x="800100" y="9705022"/>
+            <a:ext cx="5482167" cy="0"/>
+          </a:xfrm>
+          <a:custGeom>
+            <a:avLst/>
+            <a:gdLst/>
+            <a:ahLst/>
+            <a:cxnLst/>
+            <a:rect l="l" t="t" r="r" b="b"/>
+            <a:pathLst>
+              <a:path w="5638800">
+                <a:moveTo>
+                  <a:pt x="0" y="0"/>
+                </a:moveTo>
+                <a:lnTo>
+                  <a:pt x="5638800" y="0"/>
+                </a:lnTo>
+              </a:path>
+            </a:pathLst>
+          </a:custGeom>
+          <a:ln w="16764">
+            <a:solidFill>
+              <a:srgbClr val="000000"/>
+            </a:solidFill>
+          </a:ln>
+        </p:spPr>
+        <p:txBody>
+          <a:bodyPr wrap="square" lIns="0" tIns="0" rIns="0" bIns="0" rtlCol="0"/>
+          <a:lstStyle/>
+          <a:p>
+            <a:endParaRPr sz="1750"/>
+          </a:p>
+        </p:txBody>
+      </p:sp>
+      <p:sp>
+        <p:nvSpPr>
+          <p:cNvPr id="6" name="object 6"/>
+          <p:cNvSpPr txBox="1"/>
+          <p:nvPr/>
+        </p:nvSpPr>
+        <p:spPr>
+          <a:xfrm>
+            <a:off x="1125573" y="1215814"/>
+            <a:ext cx="5363633" cy="8015199"/>
+          </a:xfrm>
+          <a:prstGeom prst="rect">
+            <a:avLst/>
+          </a:prstGeom>
+        </p:spPr>
+        <p:txBody>
+          <a:bodyPr vert="horz" wrap="square" lIns="0" tIns="0" rIns="0" bIns="0" rtlCol="0">
+            <a:spAutoFit/>
+          </a:bodyPr>
+          <a:lstStyle/>
+          <a:p>
+            <a:pPr marL="12347" algn="just">
+              <a:tabLst>
+                <a:tab pos="5127067" algn="l"/>
+              </a:tabLst>
+            </a:pPr>
+            <a:r>
+              <a:rPr sz="1167" b="1" dirty="0">
+                <a:latin typeface="Book Antiqua"/>
+                <a:cs typeface="Book Antiqua"/>
+              </a:rPr>
+              <a:t>Lecture</a:t>
+            </a:r>
+            <a:r>
+              <a:rPr sz="1167" b="1" spc="-5" dirty="0">
+                <a:latin typeface="Book Antiqua"/>
+                <a:cs typeface="Book Antiqua"/>
+              </a:rPr>
+              <a:t> </a:t>
+            </a:r>
+            <a:r>
+              <a:rPr sz="1167" b="1" dirty="0">
+                <a:latin typeface="Book Antiqua"/>
+                <a:cs typeface="Book Antiqua"/>
+              </a:rPr>
+              <a:t>23: </a:t>
+            </a:r>
+            <a:r>
+              <a:rPr sz="1167" dirty="0">
+                <a:latin typeface="Book Antiqua"/>
+                <a:cs typeface="Book Antiqua"/>
+              </a:rPr>
+              <a:t>Architectural</a:t>
+            </a:r>
+            <a:r>
+              <a:rPr sz="1167" spc="-5" dirty="0">
+                <a:latin typeface="Book Antiqua"/>
+                <a:cs typeface="Book Antiqua"/>
+              </a:rPr>
+              <a:t> Views</a:t>
+            </a:r>
+            <a:r>
+              <a:rPr sz="1167" dirty="0">
+                <a:latin typeface="Book Antiqua"/>
+                <a:cs typeface="Book Antiqua"/>
+              </a:rPr>
+              <a:t> 	122</a:t>
+            </a:r>
+            <a:endParaRPr sz="1167">
+              <a:latin typeface="Book Antiqua"/>
+              <a:cs typeface="Book Antiqua"/>
+            </a:endParaRPr>
+          </a:p>
+          <a:p>
+            <a:pPr marL="12347" marR="4939" algn="just">
+              <a:lnSpc>
+                <a:spcPct val="197800"/>
+              </a:lnSpc>
+              <a:spcBef>
+                <a:spcPts val="63"/>
+              </a:spcBef>
+              <a:tabLst>
+                <a:tab pos="5126449" algn="l"/>
+              </a:tabLst>
+            </a:pPr>
+            <a:r>
+              <a:rPr sz="1167" b="1" dirty="0">
+                <a:latin typeface="Book Antiqua"/>
+                <a:cs typeface="Book Antiqua"/>
+              </a:rPr>
+              <a:t>Lecture</a:t>
+            </a:r>
+            <a:r>
+              <a:rPr sz="1167" b="1" spc="-5" dirty="0">
+                <a:latin typeface="Book Antiqua"/>
+                <a:cs typeface="Book Antiqua"/>
+              </a:rPr>
+              <a:t> </a:t>
+            </a:r>
+            <a:r>
+              <a:rPr sz="1167" b="1" dirty="0">
+                <a:latin typeface="Book Antiqua"/>
+                <a:cs typeface="Book Antiqua"/>
+              </a:rPr>
+              <a:t>24: </a:t>
+            </a:r>
+            <a:r>
+              <a:rPr sz="1167" dirty="0">
+                <a:latin typeface="Book Antiqua"/>
+                <a:cs typeface="Book Antiqua"/>
+              </a:rPr>
+              <a:t>Architectural</a:t>
+            </a:r>
+            <a:r>
+              <a:rPr sz="1167" spc="-5" dirty="0">
+                <a:latin typeface="Book Antiqua"/>
+                <a:cs typeface="Book Antiqua"/>
+              </a:rPr>
+              <a:t> </a:t>
+            </a:r>
+            <a:r>
+              <a:rPr sz="1167" dirty="0">
+                <a:latin typeface="Book Antiqua"/>
+                <a:cs typeface="Book Antiqua"/>
+              </a:rPr>
+              <a:t>Models-I 	</a:t>
+            </a:r>
+            <a:r>
+              <a:rPr sz="1167" spc="-287" dirty="0">
+                <a:latin typeface="Book Antiqua"/>
+                <a:cs typeface="Book Antiqua"/>
+              </a:rPr>
+              <a:t> </a:t>
+            </a:r>
+            <a:r>
+              <a:rPr sz="1167" dirty="0">
+                <a:latin typeface="Book Antiqua"/>
+                <a:cs typeface="Book Antiqua"/>
+              </a:rPr>
+              <a:t>126  </a:t>
+            </a:r>
+            <a:r>
+              <a:rPr sz="1167" b="1" dirty="0">
+                <a:latin typeface="Book Antiqua"/>
+                <a:cs typeface="Book Antiqua"/>
+              </a:rPr>
+              <a:t>Lecture</a:t>
+            </a:r>
+            <a:r>
+              <a:rPr sz="1167" b="1" spc="-5" dirty="0">
+                <a:latin typeface="Book Antiqua"/>
+                <a:cs typeface="Book Antiqua"/>
+              </a:rPr>
+              <a:t> </a:t>
+            </a:r>
+            <a:r>
+              <a:rPr sz="1167" b="1" dirty="0">
+                <a:latin typeface="Book Antiqua"/>
+                <a:cs typeface="Book Antiqua"/>
+              </a:rPr>
+              <a:t>25: </a:t>
+            </a:r>
+            <a:r>
+              <a:rPr sz="1167" dirty="0">
+                <a:latin typeface="Book Antiqua"/>
+                <a:cs typeface="Book Antiqua"/>
+              </a:rPr>
+              <a:t>Architectural</a:t>
+            </a:r>
+            <a:r>
+              <a:rPr sz="1167" spc="-5" dirty="0">
+                <a:latin typeface="Book Antiqua"/>
+                <a:cs typeface="Book Antiqua"/>
+              </a:rPr>
+              <a:t> </a:t>
+            </a:r>
+            <a:r>
+              <a:rPr sz="1167" dirty="0">
+                <a:latin typeface="Book Antiqua"/>
+                <a:cs typeface="Book Antiqua"/>
+              </a:rPr>
+              <a:t>Models-II 	</a:t>
+            </a:r>
+            <a:r>
+              <a:rPr sz="1167" spc="-292" dirty="0">
+                <a:latin typeface="Book Antiqua"/>
+                <a:cs typeface="Book Antiqua"/>
+              </a:rPr>
+              <a:t> </a:t>
+            </a:r>
+            <a:r>
+              <a:rPr sz="1167" dirty="0">
+                <a:latin typeface="Book Antiqua"/>
+                <a:cs typeface="Book Antiqua"/>
+              </a:rPr>
+              <a:t>130  </a:t>
+            </a:r>
+            <a:r>
+              <a:rPr sz="1167" b="1" dirty="0">
+                <a:latin typeface="Book Antiqua"/>
+                <a:cs typeface="Book Antiqua"/>
+              </a:rPr>
+              <a:t>Lecture</a:t>
+            </a:r>
+            <a:r>
+              <a:rPr sz="1167" b="1" spc="-5" dirty="0">
+                <a:latin typeface="Book Antiqua"/>
+                <a:cs typeface="Book Antiqua"/>
+              </a:rPr>
+              <a:t> </a:t>
+            </a:r>
+            <a:r>
+              <a:rPr sz="1167" b="1" dirty="0">
+                <a:latin typeface="Book Antiqua"/>
+                <a:cs typeface="Book Antiqua"/>
+              </a:rPr>
+              <a:t>26: </a:t>
+            </a:r>
+            <a:r>
+              <a:rPr sz="1167" dirty="0">
+                <a:latin typeface="Book Antiqua"/>
+                <a:cs typeface="Book Antiqua"/>
+              </a:rPr>
+              <a:t>Introduction</a:t>
+            </a:r>
+            <a:r>
+              <a:rPr sz="1167" spc="-5" dirty="0">
+                <a:latin typeface="Book Antiqua"/>
+                <a:cs typeface="Book Antiqua"/>
+              </a:rPr>
+              <a:t> t</a:t>
+            </a:r>
+            <a:r>
+              <a:rPr sz="1167" dirty="0">
+                <a:latin typeface="Book Antiqua"/>
+                <a:cs typeface="Book Antiqua"/>
+              </a:rPr>
+              <a:t>o Design Patterns 	</a:t>
+            </a:r>
+            <a:r>
+              <a:rPr sz="1167" spc="-287" dirty="0">
+                <a:latin typeface="Book Antiqua"/>
+                <a:cs typeface="Book Antiqua"/>
+              </a:rPr>
+              <a:t> </a:t>
+            </a:r>
+            <a:r>
+              <a:rPr sz="1167" dirty="0">
+                <a:latin typeface="Book Antiqua"/>
+                <a:cs typeface="Book Antiqua"/>
+              </a:rPr>
+              <a:t>137  </a:t>
+            </a:r>
+            <a:r>
+              <a:rPr sz="1167" b="1" dirty="0">
+                <a:latin typeface="Book Antiqua"/>
+                <a:cs typeface="Book Antiqua"/>
+              </a:rPr>
+              <a:t>Lecture</a:t>
+            </a:r>
+            <a:r>
+              <a:rPr sz="1167" b="1" spc="-5" dirty="0">
+                <a:latin typeface="Book Antiqua"/>
+                <a:cs typeface="Book Antiqua"/>
+              </a:rPr>
+              <a:t> </a:t>
+            </a:r>
+            <a:r>
+              <a:rPr sz="1167" b="1" dirty="0">
+                <a:latin typeface="Book Antiqua"/>
+                <a:cs typeface="Book Antiqua"/>
+              </a:rPr>
+              <a:t>27:</a:t>
+            </a:r>
+            <a:r>
+              <a:rPr sz="1167" b="1" spc="-5" dirty="0">
+                <a:latin typeface="Book Antiqua"/>
+                <a:cs typeface="Book Antiqua"/>
+              </a:rPr>
+              <a:t> </a:t>
+            </a:r>
+            <a:r>
+              <a:rPr sz="1167" spc="-5" dirty="0">
+                <a:latin typeface="Book Antiqua"/>
+                <a:cs typeface="Book Antiqua"/>
+              </a:rPr>
+              <a:t>Observe</a:t>
+            </a:r>
+            <a:r>
+              <a:rPr sz="1167" dirty="0">
+                <a:latin typeface="Book Antiqua"/>
+                <a:cs typeface="Book Antiqua"/>
+              </a:rPr>
+              <a:t>r </a:t>
+            </a:r>
+            <a:r>
+              <a:rPr sz="1167" spc="-5" dirty="0">
+                <a:latin typeface="Book Antiqua"/>
+                <a:cs typeface="Book Antiqua"/>
+              </a:rPr>
+              <a:t>Pattern</a:t>
+            </a:r>
+            <a:r>
+              <a:rPr sz="1167" dirty="0">
+                <a:latin typeface="Book Antiqua"/>
+                <a:cs typeface="Book Antiqua"/>
+              </a:rPr>
+              <a:t> 	</a:t>
+            </a:r>
+            <a:r>
+              <a:rPr sz="1167" spc="-5" dirty="0">
+                <a:latin typeface="Book Antiqua"/>
+                <a:cs typeface="Book Antiqua"/>
+              </a:rPr>
+              <a:t>140</a:t>
+            </a:r>
+            <a:endParaRPr sz="1167">
+              <a:latin typeface="Book Antiqua"/>
+              <a:cs typeface="Book Antiqua"/>
+            </a:endParaRPr>
+          </a:p>
+          <a:p>
+            <a:pPr marL="12347" marR="4939" algn="just">
+              <a:lnSpc>
+                <a:spcPct val="202400"/>
+              </a:lnSpc>
+              <a:spcBef>
+                <a:spcPts val="5"/>
+              </a:spcBef>
+              <a:tabLst>
+                <a:tab pos="5127067" algn="l"/>
+              </a:tabLst>
+            </a:pPr>
+            <a:r>
+              <a:rPr sz="1167" b="1" dirty="0">
+                <a:latin typeface="Book Antiqua"/>
+                <a:cs typeface="Book Antiqua"/>
+              </a:rPr>
+              <a:t>Lecture</a:t>
+            </a:r>
+            <a:r>
+              <a:rPr sz="1167" b="1" spc="-5" dirty="0">
+                <a:latin typeface="Book Antiqua"/>
+                <a:cs typeface="Book Antiqua"/>
+              </a:rPr>
+              <a:t> </a:t>
+            </a:r>
+            <a:r>
+              <a:rPr sz="1167" b="1" dirty="0">
+                <a:latin typeface="Book Antiqua"/>
+                <a:cs typeface="Book Antiqua"/>
+              </a:rPr>
+              <a:t>28: </a:t>
+            </a:r>
+            <a:r>
+              <a:rPr sz="1167" spc="-5" dirty="0">
+                <a:latin typeface="Book Antiqua"/>
+                <a:cs typeface="Book Antiqua"/>
+              </a:rPr>
+              <a:t>Goo</a:t>
+            </a:r>
+            <a:r>
+              <a:rPr sz="1167" dirty="0">
+                <a:latin typeface="Book Antiqua"/>
+                <a:cs typeface="Book Antiqua"/>
+              </a:rPr>
+              <a:t>d Programming Practices and </a:t>
+            </a:r>
+            <a:r>
+              <a:rPr sz="1167" spc="-5" dirty="0">
+                <a:latin typeface="Book Antiqua"/>
+                <a:cs typeface="Book Antiqua"/>
+              </a:rPr>
+              <a:t>Guidelines…</a:t>
+            </a:r>
+            <a:r>
+              <a:rPr sz="1167" dirty="0">
+                <a:latin typeface="Book Antiqua"/>
+                <a:cs typeface="Book Antiqua"/>
+              </a:rPr>
+              <a:t> 	</a:t>
+            </a:r>
+            <a:r>
+              <a:rPr sz="1167" spc="-292" dirty="0">
+                <a:latin typeface="Book Antiqua"/>
+                <a:cs typeface="Book Antiqua"/>
+              </a:rPr>
+              <a:t> </a:t>
+            </a:r>
+            <a:r>
+              <a:rPr sz="1167" dirty="0">
+                <a:latin typeface="Book Antiqua"/>
+                <a:cs typeface="Book Antiqua"/>
+              </a:rPr>
+              <a:t>146  </a:t>
+            </a:r>
+            <a:r>
+              <a:rPr sz="1167" b="1" dirty="0">
+                <a:latin typeface="Book Antiqua"/>
+                <a:cs typeface="Book Antiqua"/>
+              </a:rPr>
+              <a:t>Lecture</a:t>
+            </a:r>
+            <a:r>
+              <a:rPr sz="1167" b="1" spc="-5" dirty="0">
+                <a:latin typeface="Book Antiqua"/>
+                <a:cs typeface="Book Antiqua"/>
+              </a:rPr>
+              <a:t> </a:t>
+            </a:r>
+            <a:r>
+              <a:rPr sz="1167" b="1" dirty="0">
+                <a:latin typeface="Book Antiqua"/>
+                <a:cs typeface="Book Antiqua"/>
+              </a:rPr>
+              <a:t>29: </a:t>
+            </a:r>
+            <a:r>
+              <a:rPr sz="1167" spc="-5" dirty="0">
+                <a:latin typeface="Book Antiqua"/>
+                <a:cs typeface="Book Antiqua"/>
+              </a:rPr>
+              <a:t>Fil</a:t>
+            </a:r>
+            <a:r>
+              <a:rPr sz="1167" dirty="0">
+                <a:latin typeface="Book Antiqua"/>
+                <a:cs typeface="Book Antiqua"/>
+              </a:rPr>
+              <a:t>e </a:t>
+            </a:r>
+            <a:r>
+              <a:rPr sz="1167" spc="-5" dirty="0">
+                <a:latin typeface="Book Antiqua"/>
+                <a:cs typeface="Book Antiqua"/>
+              </a:rPr>
+              <a:t>Handlin</a:t>
+            </a:r>
+            <a:r>
+              <a:rPr sz="1167" dirty="0">
+                <a:latin typeface="Book Antiqua"/>
+                <a:cs typeface="Book Antiqua"/>
+              </a:rPr>
+              <a:t>g Tips</a:t>
+            </a:r>
+            <a:r>
+              <a:rPr sz="1167" spc="-5" dirty="0">
+                <a:latin typeface="Book Antiqua"/>
+                <a:cs typeface="Book Antiqua"/>
+              </a:rPr>
+              <a:t> fo</a:t>
+            </a:r>
+            <a:r>
+              <a:rPr sz="1167" dirty="0">
+                <a:latin typeface="Book Antiqua"/>
+                <a:cs typeface="Book Antiqua"/>
+              </a:rPr>
+              <a:t>r C++ </a:t>
+            </a:r>
+            <a:r>
+              <a:rPr sz="1167" spc="-5" dirty="0">
+                <a:latin typeface="Book Antiqua"/>
+                <a:cs typeface="Book Antiqua"/>
+              </a:rPr>
+              <a:t>an</a:t>
+            </a:r>
+            <a:r>
+              <a:rPr sz="1167" dirty="0">
+                <a:latin typeface="Book Antiqua"/>
+                <a:cs typeface="Book Antiqua"/>
+              </a:rPr>
+              <a:t>d </a:t>
+            </a:r>
+            <a:r>
+              <a:rPr sz="1167" spc="-5" dirty="0">
+                <a:latin typeface="Book Antiqua"/>
+                <a:cs typeface="Book Antiqua"/>
+              </a:rPr>
+              <a:t>Java</a:t>
+            </a:r>
+            <a:r>
+              <a:rPr sz="1167" dirty="0">
+                <a:latin typeface="Book Antiqua"/>
+                <a:cs typeface="Book Antiqua"/>
+              </a:rPr>
+              <a:t> 	</a:t>
+            </a:r>
+            <a:r>
+              <a:rPr sz="1167" spc="-5" dirty="0">
+                <a:latin typeface="Book Antiqua"/>
+                <a:cs typeface="Book Antiqua"/>
+              </a:rPr>
+              <a:t>155  </a:t>
+            </a:r>
+            <a:r>
+              <a:rPr sz="1167" b="1" dirty="0">
+                <a:latin typeface="Book Antiqua"/>
+                <a:cs typeface="Book Antiqua"/>
+              </a:rPr>
+              <a:t>Lecture</a:t>
+            </a:r>
+            <a:r>
+              <a:rPr sz="1167" b="1" spc="-5" dirty="0">
+                <a:latin typeface="Book Antiqua"/>
+                <a:cs typeface="Book Antiqua"/>
+              </a:rPr>
+              <a:t> </a:t>
+            </a:r>
+            <a:r>
+              <a:rPr sz="1167" b="1" dirty="0">
+                <a:latin typeface="Book Antiqua"/>
+                <a:cs typeface="Book Antiqua"/>
+              </a:rPr>
+              <a:t>30: </a:t>
+            </a:r>
+            <a:r>
+              <a:rPr sz="1167" dirty="0">
+                <a:latin typeface="Book Antiqua"/>
+                <a:cs typeface="Book Antiqua"/>
+              </a:rPr>
+              <a:t>Layouts</a:t>
+            </a:r>
+            <a:r>
+              <a:rPr sz="1167" spc="-5" dirty="0">
+                <a:latin typeface="Book Antiqua"/>
+                <a:cs typeface="Book Antiqua"/>
+              </a:rPr>
+              <a:t> </a:t>
+            </a:r>
+            <a:r>
+              <a:rPr sz="1167" dirty="0">
+                <a:latin typeface="Book Antiqua"/>
+                <a:cs typeface="Book Antiqua"/>
+              </a:rPr>
+              <a:t>and Comments in Java and C++… 	</a:t>
+            </a:r>
+            <a:r>
+              <a:rPr sz="1167" spc="-287" dirty="0">
+                <a:latin typeface="Book Antiqua"/>
+                <a:cs typeface="Book Antiqua"/>
+              </a:rPr>
+              <a:t> </a:t>
+            </a:r>
+            <a:r>
+              <a:rPr sz="1167" dirty="0">
+                <a:latin typeface="Book Antiqua"/>
+                <a:cs typeface="Book Antiqua"/>
+              </a:rPr>
+              <a:t>162  </a:t>
+            </a:r>
+            <a:r>
+              <a:rPr sz="1167" b="1" dirty="0">
+                <a:latin typeface="Book Antiqua"/>
+                <a:cs typeface="Book Antiqua"/>
+              </a:rPr>
+              <a:t>Lecture</a:t>
+            </a:r>
+            <a:r>
+              <a:rPr sz="1167" b="1" spc="-5" dirty="0">
+                <a:latin typeface="Book Antiqua"/>
+                <a:cs typeface="Book Antiqua"/>
+              </a:rPr>
+              <a:t> </a:t>
+            </a:r>
+            <a:r>
+              <a:rPr sz="1167" b="1" dirty="0">
+                <a:latin typeface="Book Antiqua"/>
+                <a:cs typeface="Book Antiqua"/>
+              </a:rPr>
+              <a:t>31: </a:t>
+            </a:r>
+            <a:r>
+              <a:rPr sz="1167" dirty="0">
+                <a:latin typeface="Book Antiqua"/>
+                <a:cs typeface="Book Antiqua"/>
+              </a:rPr>
+              <a:t>Coding Style</a:t>
+            </a:r>
+            <a:r>
+              <a:rPr sz="1167" spc="-5" dirty="0">
+                <a:latin typeface="Book Antiqua"/>
+                <a:cs typeface="Book Antiqua"/>
+              </a:rPr>
+              <a:t> Guideline</a:t>
+            </a:r>
+            <a:r>
+              <a:rPr sz="1167" dirty="0">
+                <a:latin typeface="Book Antiqua"/>
+                <a:cs typeface="Book Antiqua"/>
+              </a:rPr>
+              <a:t>s Continued. 	167  </a:t>
+            </a:r>
+            <a:r>
+              <a:rPr sz="1167" b="1" dirty="0">
+                <a:latin typeface="Book Antiqua"/>
+                <a:cs typeface="Book Antiqua"/>
+              </a:rPr>
+              <a:t>Lecture</a:t>
+            </a:r>
+            <a:r>
+              <a:rPr sz="1167" b="1" spc="-5" dirty="0">
+                <a:latin typeface="Book Antiqua"/>
+                <a:cs typeface="Book Antiqua"/>
+              </a:rPr>
+              <a:t> </a:t>
+            </a:r>
+            <a:r>
+              <a:rPr sz="1167" b="1" dirty="0">
+                <a:latin typeface="Book Antiqua"/>
+                <a:cs typeface="Book Antiqua"/>
+              </a:rPr>
+              <a:t>32: </a:t>
+            </a:r>
+            <a:r>
+              <a:rPr sz="1167" dirty="0">
+                <a:latin typeface="Book Antiqua"/>
+                <a:cs typeface="Book Antiqua"/>
+              </a:rPr>
+              <a:t>Clarity</a:t>
+            </a:r>
+            <a:r>
+              <a:rPr sz="1167" spc="-5" dirty="0">
+                <a:latin typeface="Book Antiqua"/>
+                <a:cs typeface="Book Antiqua"/>
+              </a:rPr>
+              <a:t> </a:t>
+            </a:r>
+            <a:r>
+              <a:rPr sz="1167" dirty="0">
+                <a:latin typeface="Book Antiqua"/>
+                <a:cs typeface="Book Antiqua"/>
+              </a:rPr>
+              <a:t>Trough</a:t>
+            </a:r>
+            <a:r>
+              <a:rPr sz="1167" spc="-5" dirty="0">
+                <a:latin typeface="Book Antiqua"/>
+                <a:cs typeface="Book Antiqua"/>
+              </a:rPr>
+              <a:t> </a:t>
+            </a:r>
+            <a:r>
+              <a:rPr sz="1167" dirty="0">
+                <a:latin typeface="Book Antiqua"/>
+                <a:cs typeface="Book Antiqua"/>
+              </a:rPr>
+              <a:t>Modularity 	</a:t>
+            </a:r>
+            <a:r>
+              <a:rPr sz="1167" spc="-5" dirty="0">
+                <a:latin typeface="Book Antiqua"/>
+                <a:cs typeface="Book Antiqua"/>
+              </a:rPr>
+              <a:t>170  </a:t>
+            </a:r>
+            <a:r>
+              <a:rPr sz="1167" b="1" dirty="0">
+                <a:latin typeface="Book Antiqua"/>
+                <a:cs typeface="Book Antiqua"/>
+              </a:rPr>
+              <a:t>Lecture</a:t>
+            </a:r>
+            <a:r>
+              <a:rPr sz="1167" b="1" spc="-5" dirty="0">
+                <a:latin typeface="Book Antiqua"/>
+                <a:cs typeface="Book Antiqua"/>
+              </a:rPr>
+              <a:t> </a:t>
+            </a:r>
+            <a:r>
+              <a:rPr sz="1167" b="1" dirty="0">
+                <a:latin typeface="Book Antiqua"/>
+                <a:cs typeface="Book Antiqua"/>
+              </a:rPr>
+              <a:t>33: </a:t>
+            </a:r>
+            <a:r>
+              <a:rPr sz="1167" dirty="0">
+                <a:latin typeface="Book Antiqua"/>
+                <a:cs typeface="Book Antiqua"/>
+              </a:rPr>
+              <a:t>Common Coding Mistakes 	176  </a:t>
+            </a:r>
+            <a:r>
+              <a:rPr sz="1167" b="1" dirty="0">
+                <a:latin typeface="Book Antiqua"/>
+                <a:cs typeface="Book Antiqua"/>
+              </a:rPr>
+              <a:t>Lecture</a:t>
+            </a:r>
+            <a:r>
+              <a:rPr sz="1167" b="1" spc="-5" dirty="0">
+                <a:latin typeface="Book Antiqua"/>
+                <a:cs typeface="Book Antiqua"/>
+              </a:rPr>
+              <a:t> </a:t>
+            </a:r>
+            <a:r>
+              <a:rPr sz="1167" b="1" dirty="0">
+                <a:latin typeface="Book Antiqua"/>
+                <a:cs typeface="Book Antiqua"/>
+              </a:rPr>
+              <a:t>34: </a:t>
+            </a:r>
+            <a:r>
+              <a:rPr sz="1167" dirty="0">
+                <a:latin typeface="Book Antiqua"/>
+                <a:cs typeface="Book Antiqua"/>
+              </a:rPr>
+              <a:t>Portability 	</a:t>
+            </a:r>
+            <a:r>
+              <a:rPr sz="1167" spc="-292" dirty="0">
+                <a:latin typeface="Book Antiqua"/>
+                <a:cs typeface="Book Antiqua"/>
+              </a:rPr>
+              <a:t> </a:t>
+            </a:r>
+            <a:r>
+              <a:rPr sz="1167" dirty="0">
+                <a:latin typeface="Book Antiqua"/>
+                <a:cs typeface="Book Antiqua"/>
+              </a:rPr>
+              <a:t>179  </a:t>
+            </a:r>
+            <a:r>
+              <a:rPr sz="1167" b="1" dirty="0">
+                <a:latin typeface="Book Antiqua"/>
+                <a:cs typeface="Book Antiqua"/>
+              </a:rPr>
+              <a:t>Lecture</a:t>
+            </a:r>
+            <a:r>
+              <a:rPr sz="1167" b="1" spc="-5" dirty="0">
+                <a:latin typeface="Book Antiqua"/>
+                <a:cs typeface="Book Antiqua"/>
+              </a:rPr>
+              <a:t> </a:t>
+            </a:r>
+            <a:r>
+              <a:rPr sz="1167" b="1" dirty="0">
+                <a:latin typeface="Book Antiqua"/>
+                <a:cs typeface="Book Antiqua"/>
+              </a:rPr>
+              <a:t>35: </a:t>
+            </a:r>
+            <a:r>
+              <a:rPr sz="1167" dirty="0">
+                <a:latin typeface="Book Antiqua"/>
+                <a:cs typeface="Book Antiqua"/>
+              </a:rPr>
+              <a:t>Exception </a:t>
+            </a:r>
+            <a:r>
+              <a:rPr sz="1167" spc="-5" dirty="0">
+                <a:latin typeface="Book Antiqua"/>
+                <a:cs typeface="Book Antiqua"/>
+              </a:rPr>
+              <a:t>Handling</a:t>
+            </a:r>
+            <a:r>
+              <a:rPr sz="1167" dirty="0">
+                <a:latin typeface="Book Antiqua"/>
+                <a:cs typeface="Book Antiqua"/>
+              </a:rPr>
+              <a:t> 	</a:t>
+            </a:r>
+            <a:r>
+              <a:rPr sz="1167" spc="-292" dirty="0">
+                <a:latin typeface="Book Antiqua"/>
+                <a:cs typeface="Book Antiqua"/>
+              </a:rPr>
+              <a:t> </a:t>
+            </a:r>
+            <a:r>
+              <a:rPr sz="1167" spc="-5" dirty="0">
+                <a:latin typeface="Book Antiqua"/>
+                <a:cs typeface="Book Antiqua"/>
+              </a:rPr>
+              <a:t>184  </a:t>
+            </a:r>
+            <a:r>
+              <a:rPr sz="1167" b="1" dirty="0">
+                <a:latin typeface="Book Antiqua"/>
+                <a:cs typeface="Book Antiqua"/>
+              </a:rPr>
+              <a:t>Lecture</a:t>
+            </a:r>
+            <a:r>
+              <a:rPr sz="1167" b="1" spc="-5" dirty="0">
+                <a:latin typeface="Book Antiqua"/>
+                <a:cs typeface="Book Antiqua"/>
+              </a:rPr>
+              <a:t> </a:t>
+            </a:r>
+            <a:r>
+              <a:rPr sz="1167" b="1" dirty="0">
+                <a:latin typeface="Book Antiqua"/>
+                <a:cs typeface="Book Antiqua"/>
+              </a:rPr>
+              <a:t>36: </a:t>
+            </a:r>
+            <a:r>
+              <a:rPr sz="1167" dirty="0">
+                <a:latin typeface="Book Antiqua"/>
+                <a:cs typeface="Book Antiqua"/>
+              </a:rPr>
+              <a:t>Software</a:t>
+            </a:r>
+            <a:r>
+              <a:rPr sz="1167" spc="-5" dirty="0">
+                <a:latin typeface="Book Antiqua"/>
+                <a:cs typeface="Book Antiqua"/>
+              </a:rPr>
+              <a:t> Verificatio</a:t>
+            </a:r>
+            <a:r>
+              <a:rPr sz="1167" dirty="0">
+                <a:latin typeface="Book Antiqua"/>
+                <a:cs typeface="Book Antiqua"/>
+              </a:rPr>
+              <a:t>n and </a:t>
+            </a:r>
+            <a:r>
+              <a:rPr sz="1167" spc="-5" dirty="0">
+                <a:latin typeface="Book Antiqua"/>
+                <a:cs typeface="Book Antiqua"/>
+              </a:rPr>
+              <a:t>Validation</a:t>
+            </a:r>
+            <a:r>
+              <a:rPr sz="1167" dirty="0">
+                <a:latin typeface="Book Antiqua"/>
+                <a:cs typeface="Book Antiqua"/>
+              </a:rPr>
+              <a:t> 	</a:t>
+            </a:r>
+            <a:r>
+              <a:rPr sz="1167" spc="-292" dirty="0">
+                <a:latin typeface="Book Antiqua"/>
+                <a:cs typeface="Book Antiqua"/>
+              </a:rPr>
+              <a:t> </a:t>
+            </a:r>
+            <a:r>
+              <a:rPr sz="1167" dirty="0">
+                <a:latin typeface="Book Antiqua"/>
+                <a:cs typeface="Book Antiqua"/>
+              </a:rPr>
+              <a:t>192  </a:t>
+            </a:r>
+            <a:r>
+              <a:rPr sz="1167" b="1" dirty="0">
+                <a:latin typeface="Book Antiqua"/>
+                <a:cs typeface="Book Antiqua"/>
+              </a:rPr>
+              <a:t>Lecture</a:t>
+            </a:r>
+            <a:r>
+              <a:rPr sz="1167" b="1" spc="-5" dirty="0">
+                <a:latin typeface="Book Antiqua"/>
+                <a:cs typeface="Book Antiqua"/>
+              </a:rPr>
+              <a:t> </a:t>
+            </a:r>
+            <a:r>
+              <a:rPr sz="1167" b="1" dirty="0">
+                <a:latin typeface="Book Antiqua"/>
+                <a:cs typeface="Book Antiqua"/>
+              </a:rPr>
+              <a:t>37: </a:t>
+            </a:r>
+            <a:r>
+              <a:rPr sz="1167" dirty="0">
+                <a:latin typeface="Book Antiqua"/>
+                <a:cs typeface="Book Antiqua"/>
+              </a:rPr>
+              <a:t>Testing</a:t>
+            </a:r>
+            <a:r>
+              <a:rPr sz="1167" spc="-5" dirty="0">
+                <a:latin typeface="Book Antiqua"/>
+                <a:cs typeface="Book Antiqua"/>
+              </a:rPr>
+              <a:t> </a:t>
+            </a:r>
+            <a:r>
+              <a:rPr sz="1167" dirty="0">
+                <a:latin typeface="Book Antiqua"/>
+                <a:cs typeface="Book Antiqua"/>
+              </a:rPr>
+              <a:t>vs.</a:t>
+            </a:r>
+            <a:r>
+              <a:rPr sz="1167" spc="-5" dirty="0">
+                <a:latin typeface="Book Antiqua"/>
+                <a:cs typeface="Book Antiqua"/>
+              </a:rPr>
+              <a:t> </a:t>
+            </a:r>
+            <a:r>
+              <a:rPr sz="1167" dirty="0">
+                <a:latin typeface="Book Antiqua"/>
+                <a:cs typeface="Book Antiqua"/>
+              </a:rPr>
+              <a:t>Development 	</a:t>
+            </a:r>
+            <a:r>
+              <a:rPr sz="1167" spc="-292" dirty="0">
+                <a:latin typeface="Book Antiqua"/>
+                <a:cs typeface="Book Antiqua"/>
+              </a:rPr>
+              <a:t> </a:t>
+            </a:r>
+            <a:r>
+              <a:rPr sz="1167" spc="-5" dirty="0">
+                <a:latin typeface="Book Antiqua"/>
+                <a:cs typeface="Book Antiqua"/>
+              </a:rPr>
+              <a:t>195  </a:t>
+            </a:r>
+            <a:r>
+              <a:rPr sz="1167" b="1" dirty="0">
+                <a:latin typeface="Book Antiqua"/>
+                <a:cs typeface="Book Antiqua"/>
+              </a:rPr>
+              <a:t>Lecture</a:t>
+            </a:r>
+            <a:r>
+              <a:rPr sz="1167" b="1" spc="-5" dirty="0">
+                <a:latin typeface="Book Antiqua"/>
+                <a:cs typeface="Book Antiqua"/>
+              </a:rPr>
+              <a:t> </a:t>
+            </a:r>
+            <a:r>
+              <a:rPr sz="1167" b="1" dirty="0">
+                <a:latin typeface="Book Antiqua"/>
+                <a:cs typeface="Book Antiqua"/>
+              </a:rPr>
+              <a:t>38:</a:t>
+            </a:r>
+            <a:r>
+              <a:rPr sz="1167" b="1" spc="-5" dirty="0">
+                <a:latin typeface="Book Antiqua"/>
+                <a:cs typeface="Book Antiqua"/>
+              </a:rPr>
+              <a:t> </a:t>
+            </a:r>
+            <a:r>
+              <a:rPr sz="1167" dirty="0">
+                <a:latin typeface="Book Antiqua"/>
+                <a:cs typeface="Book Antiqua"/>
+              </a:rPr>
+              <a:t>Equivalence</a:t>
+            </a:r>
+            <a:r>
+              <a:rPr sz="1167" spc="-5" dirty="0">
+                <a:latin typeface="Book Antiqua"/>
+                <a:cs typeface="Book Antiqua"/>
+              </a:rPr>
+              <a:t> </a:t>
+            </a:r>
+            <a:r>
+              <a:rPr sz="1167" dirty="0">
+                <a:latin typeface="Book Antiqua"/>
+                <a:cs typeface="Book Antiqua"/>
+              </a:rPr>
+              <a:t>Classes</a:t>
+            </a:r>
+            <a:r>
+              <a:rPr sz="1167" spc="-5" dirty="0">
+                <a:latin typeface="Book Antiqua"/>
+                <a:cs typeface="Book Antiqua"/>
+              </a:rPr>
+              <a:t> </a:t>
+            </a:r>
+            <a:r>
+              <a:rPr sz="1167" dirty="0">
+                <a:latin typeface="Book Antiqua"/>
+                <a:cs typeface="Book Antiqua"/>
+              </a:rPr>
+              <a:t>or</a:t>
+            </a:r>
+            <a:r>
+              <a:rPr sz="1167" spc="-5" dirty="0">
+                <a:latin typeface="Book Antiqua"/>
+                <a:cs typeface="Book Antiqua"/>
+              </a:rPr>
+              <a:t> </a:t>
+            </a:r>
+            <a:r>
+              <a:rPr sz="1167" dirty="0">
+                <a:latin typeface="Book Antiqua"/>
+                <a:cs typeface="Book Antiqua"/>
+              </a:rPr>
+              <a:t>Equivalence</a:t>
+            </a:r>
+            <a:r>
+              <a:rPr sz="1167" spc="-5" dirty="0">
+                <a:latin typeface="Book Antiqua"/>
+                <a:cs typeface="Book Antiqua"/>
+              </a:rPr>
+              <a:t> </a:t>
+            </a:r>
+            <a:r>
+              <a:rPr sz="1167" dirty="0">
+                <a:latin typeface="Book Antiqua"/>
+                <a:cs typeface="Book Antiqua"/>
+              </a:rPr>
+              <a:t>Partitioning 	</a:t>
+            </a:r>
+            <a:r>
+              <a:rPr sz="1167" spc="-292" dirty="0">
+                <a:latin typeface="Book Antiqua"/>
+                <a:cs typeface="Book Antiqua"/>
+              </a:rPr>
+              <a:t> </a:t>
+            </a:r>
+            <a:r>
+              <a:rPr sz="1167" dirty="0">
+                <a:latin typeface="Book Antiqua"/>
+                <a:cs typeface="Book Antiqua"/>
+              </a:rPr>
+              <a:t>199</a:t>
+            </a:r>
+            <a:endParaRPr sz="1167">
+              <a:latin typeface="Book Antiqua"/>
+              <a:cs typeface="Book Antiqua"/>
+            </a:endParaRPr>
+          </a:p>
+          <a:p>
+            <a:pPr>
+              <a:spcBef>
+                <a:spcPts val="10"/>
+              </a:spcBef>
+            </a:pPr>
+            <a:endParaRPr sz="1069">
+              <a:latin typeface="Times New Roman"/>
+              <a:cs typeface="Times New Roman"/>
+            </a:endParaRPr>
+          </a:p>
+          <a:p>
+            <a:pPr marL="12347" algn="just">
+              <a:tabLst>
+                <a:tab pos="5127067" algn="l"/>
+              </a:tabLst>
+            </a:pPr>
+            <a:r>
+              <a:rPr sz="1167" b="1" dirty="0">
+                <a:latin typeface="Book Antiqua"/>
+                <a:cs typeface="Book Antiqua"/>
+              </a:rPr>
+              <a:t>Lecture</a:t>
+            </a:r>
+            <a:r>
+              <a:rPr sz="1167" b="1" spc="-5" dirty="0">
+                <a:latin typeface="Book Antiqua"/>
+                <a:cs typeface="Book Antiqua"/>
+              </a:rPr>
+              <a:t> </a:t>
+            </a:r>
+            <a:r>
+              <a:rPr sz="1167" b="1" dirty="0">
+                <a:latin typeface="Book Antiqua"/>
+                <a:cs typeface="Book Antiqua"/>
+              </a:rPr>
+              <a:t>39: </a:t>
+            </a:r>
+            <a:r>
+              <a:rPr sz="1167" spc="-5" dirty="0">
+                <a:latin typeface="Book Antiqua"/>
+                <a:cs typeface="Book Antiqua"/>
+              </a:rPr>
+              <a:t>Whit</a:t>
+            </a:r>
+            <a:r>
+              <a:rPr sz="1167" dirty="0">
+                <a:latin typeface="Book Antiqua"/>
+                <a:cs typeface="Book Antiqua"/>
+              </a:rPr>
+              <a:t>e Box Testing 	</a:t>
+            </a:r>
+            <a:r>
+              <a:rPr sz="1167" spc="-5" dirty="0">
+                <a:latin typeface="Book Antiqua"/>
+                <a:cs typeface="Book Antiqua"/>
+              </a:rPr>
+              <a:t>202</a:t>
+            </a:r>
+            <a:endParaRPr sz="1167">
+              <a:latin typeface="Book Antiqua"/>
+              <a:cs typeface="Book Antiqua"/>
+            </a:endParaRPr>
+          </a:p>
+          <a:p>
+            <a:pPr>
+              <a:spcBef>
+                <a:spcPts val="29"/>
+              </a:spcBef>
+            </a:pPr>
+            <a:endParaRPr sz="1215">
+              <a:latin typeface="Times New Roman"/>
+              <a:cs typeface="Times New Roman"/>
+            </a:endParaRPr>
+          </a:p>
+          <a:p>
+            <a:pPr marL="12347" algn="just">
+              <a:tabLst>
+                <a:tab pos="5127067" algn="l"/>
+              </a:tabLst>
+            </a:pPr>
+            <a:r>
+              <a:rPr sz="1167" b="1" dirty="0">
+                <a:latin typeface="Book Antiqua"/>
+                <a:cs typeface="Book Antiqua"/>
+              </a:rPr>
+              <a:t>Lecture</a:t>
+            </a:r>
+            <a:r>
+              <a:rPr sz="1167" b="1" spc="-5" dirty="0">
+                <a:latin typeface="Book Antiqua"/>
+                <a:cs typeface="Book Antiqua"/>
+              </a:rPr>
+              <a:t> </a:t>
+            </a:r>
+            <a:r>
+              <a:rPr sz="1167" b="1" dirty="0">
+                <a:latin typeface="Book Antiqua"/>
+                <a:cs typeface="Book Antiqua"/>
+              </a:rPr>
+              <a:t>40: </a:t>
+            </a:r>
+            <a:r>
+              <a:rPr sz="1167" dirty="0">
+                <a:latin typeface="Book Antiqua"/>
+                <a:cs typeface="Book Antiqua"/>
+              </a:rPr>
+              <a:t>Unit</a:t>
+            </a:r>
+            <a:r>
+              <a:rPr sz="1167" spc="-5" dirty="0">
+                <a:latin typeface="Book Antiqua"/>
+                <a:cs typeface="Book Antiqua"/>
+              </a:rPr>
+              <a:t> </a:t>
+            </a:r>
+            <a:r>
+              <a:rPr sz="1167" dirty="0">
+                <a:latin typeface="Book Antiqua"/>
+                <a:cs typeface="Book Antiqua"/>
+              </a:rPr>
+              <a:t>Testing 	207</a:t>
+            </a:r>
+            <a:endParaRPr sz="1167">
+              <a:latin typeface="Book Antiqua"/>
+              <a:cs typeface="Book Antiqua"/>
+            </a:endParaRPr>
+          </a:p>
+          <a:p>
+            <a:pPr marL="12347" marR="5556" algn="just">
+              <a:lnSpc>
+                <a:spcPct val="195400"/>
+              </a:lnSpc>
+              <a:spcBef>
+                <a:spcPts val="102"/>
+              </a:spcBef>
+              <a:tabLst>
+                <a:tab pos="5126449" algn="l"/>
+              </a:tabLst>
+            </a:pPr>
+            <a:r>
+              <a:rPr sz="1167" b="1" dirty="0">
+                <a:latin typeface="Book Antiqua"/>
+                <a:cs typeface="Book Antiqua"/>
+              </a:rPr>
+              <a:t>Lecture</a:t>
+            </a:r>
+            <a:r>
+              <a:rPr sz="1167" b="1" spc="-5" dirty="0">
+                <a:latin typeface="Book Antiqua"/>
+                <a:cs typeface="Book Antiqua"/>
+              </a:rPr>
+              <a:t> </a:t>
+            </a:r>
+            <a:r>
+              <a:rPr sz="1167" b="1" dirty="0">
+                <a:latin typeface="Book Antiqua"/>
+                <a:cs typeface="Book Antiqua"/>
+              </a:rPr>
+              <a:t>41: </a:t>
+            </a:r>
+            <a:r>
+              <a:rPr sz="1167" dirty="0">
+                <a:latin typeface="Book Antiqua"/>
+                <a:cs typeface="Book Antiqua"/>
+              </a:rPr>
+              <a:t>Inspections</a:t>
+            </a:r>
+            <a:r>
+              <a:rPr sz="1167" spc="-5" dirty="0">
+                <a:latin typeface="Book Antiqua"/>
+                <a:cs typeface="Book Antiqua"/>
+              </a:rPr>
+              <a:t> </a:t>
+            </a:r>
+            <a:r>
+              <a:rPr sz="1167" dirty="0">
+                <a:latin typeface="Book Antiqua"/>
+                <a:cs typeface="Book Antiqua"/>
+              </a:rPr>
+              <a:t>vs. Testi</a:t>
+            </a:r>
+            <a:r>
+              <a:rPr sz="1167" spc="-10" dirty="0">
+                <a:latin typeface="Book Antiqua"/>
+                <a:cs typeface="Book Antiqua"/>
+              </a:rPr>
+              <a:t>n</a:t>
+            </a:r>
+            <a:r>
+              <a:rPr sz="1167" dirty="0">
+                <a:latin typeface="Book Antiqua"/>
+                <a:cs typeface="Book Antiqua"/>
+              </a:rPr>
+              <a:t>g 	</a:t>
+            </a:r>
+            <a:r>
+              <a:rPr sz="1167" spc="-292" dirty="0">
+                <a:latin typeface="Book Antiqua"/>
+                <a:cs typeface="Book Antiqua"/>
+              </a:rPr>
+              <a:t> </a:t>
+            </a:r>
+            <a:r>
+              <a:rPr sz="1167" dirty="0">
+                <a:latin typeface="Book Antiqua"/>
+                <a:cs typeface="Book Antiqua"/>
+              </a:rPr>
+              <a:t>210  </a:t>
+            </a:r>
+            <a:r>
+              <a:rPr sz="1167" b="1" dirty="0">
+                <a:latin typeface="Book Antiqua"/>
+                <a:cs typeface="Book Antiqua"/>
+              </a:rPr>
+              <a:t>Lecture</a:t>
+            </a:r>
+            <a:r>
+              <a:rPr sz="1167" b="1" spc="-5" dirty="0">
+                <a:latin typeface="Book Antiqua"/>
+                <a:cs typeface="Book Antiqua"/>
+              </a:rPr>
+              <a:t> </a:t>
+            </a:r>
+            <a:r>
+              <a:rPr sz="1167" b="1" dirty="0">
+                <a:latin typeface="Book Antiqua"/>
+                <a:cs typeface="Book Antiqua"/>
+              </a:rPr>
+              <a:t>42: </a:t>
+            </a:r>
+            <a:r>
+              <a:rPr sz="1167" dirty="0">
+                <a:latin typeface="Book Antiqua"/>
+                <a:cs typeface="Book Antiqua"/>
+              </a:rPr>
+              <a:t>Debugging 	</a:t>
+            </a:r>
+            <a:r>
+              <a:rPr sz="1167" spc="-292" dirty="0">
+                <a:latin typeface="Book Antiqua"/>
+                <a:cs typeface="Book Antiqua"/>
+              </a:rPr>
+              <a:t> </a:t>
+            </a:r>
+            <a:r>
+              <a:rPr sz="1167" dirty="0">
+                <a:latin typeface="Book Antiqua"/>
+                <a:cs typeface="Book Antiqua"/>
+              </a:rPr>
+              <a:t>213  </a:t>
+            </a:r>
+            <a:r>
+              <a:rPr sz="1167" b="1" dirty="0">
+                <a:latin typeface="Book Antiqua"/>
+                <a:cs typeface="Book Antiqua"/>
+              </a:rPr>
+              <a:t>Lecture</a:t>
+            </a:r>
+            <a:r>
+              <a:rPr sz="1167" b="1" spc="-5" dirty="0">
+                <a:latin typeface="Book Antiqua"/>
+                <a:cs typeface="Book Antiqua"/>
+              </a:rPr>
+              <a:t> </a:t>
+            </a:r>
+            <a:r>
+              <a:rPr sz="1167" b="1" dirty="0">
+                <a:latin typeface="Book Antiqua"/>
+                <a:cs typeface="Book Antiqua"/>
+              </a:rPr>
+              <a:t>43: </a:t>
+            </a:r>
+            <a:r>
+              <a:rPr sz="1167" dirty="0">
+                <a:latin typeface="Book Antiqua"/>
+                <a:cs typeface="Book Antiqua"/>
+              </a:rPr>
+              <a:t>Bug</a:t>
+            </a:r>
+            <a:r>
+              <a:rPr sz="1167" spc="-5" dirty="0">
+                <a:latin typeface="Book Antiqua"/>
+                <a:cs typeface="Book Antiqua"/>
+              </a:rPr>
+              <a:t> </a:t>
+            </a:r>
+            <a:r>
+              <a:rPr sz="1167" dirty="0">
+                <a:latin typeface="Book Antiqua"/>
+                <a:cs typeface="Book Antiqua"/>
+              </a:rPr>
+              <a:t>Classes 	</a:t>
+            </a:r>
+            <a:r>
+              <a:rPr sz="1167" spc="-287" dirty="0">
+                <a:latin typeface="Book Antiqua"/>
+                <a:cs typeface="Book Antiqua"/>
+              </a:rPr>
+              <a:t> </a:t>
+            </a:r>
+            <a:r>
+              <a:rPr sz="1167" dirty="0">
+                <a:latin typeface="Book Antiqua"/>
+                <a:cs typeface="Book Antiqua"/>
+              </a:rPr>
+              <a:t>216  </a:t>
+            </a:r>
+            <a:r>
+              <a:rPr sz="1167" b="1" dirty="0">
+                <a:latin typeface="Book Antiqua"/>
+                <a:cs typeface="Book Antiqua"/>
+              </a:rPr>
+              <a:t>Lecture</a:t>
+            </a:r>
+            <a:r>
+              <a:rPr sz="1167" b="1" spc="-5" dirty="0">
+                <a:latin typeface="Book Antiqua"/>
+                <a:cs typeface="Book Antiqua"/>
+              </a:rPr>
+              <a:t> </a:t>
+            </a:r>
+            <a:r>
+              <a:rPr sz="1167" b="1" dirty="0">
+                <a:latin typeface="Book Antiqua"/>
+                <a:cs typeface="Book Antiqua"/>
+              </a:rPr>
+              <a:t>44: </a:t>
+            </a:r>
+            <a:r>
+              <a:rPr sz="1167" dirty="0">
+                <a:latin typeface="Book Antiqua"/>
+                <a:cs typeface="Book Antiqua"/>
+              </a:rPr>
+              <a:t>The</a:t>
+            </a:r>
+            <a:r>
+              <a:rPr sz="1167" spc="-5" dirty="0">
+                <a:latin typeface="Book Antiqua"/>
+                <a:cs typeface="Book Antiqua"/>
+              </a:rPr>
+              <a:t> </a:t>
+            </a:r>
+            <a:r>
+              <a:rPr sz="1167" dirty="0">
+                <a:latin typeface="Book Antiqua"/>
+                <a:cs typeface="Book Antiqua"/>
+              </a:rPr>
+              <a:t>Holistic Approach 	</a:t>
+            </a:r>
+            <a:r>
+              <a:rPr sz="1167" spc="-287" dirty="0">
+                <a:latin typeface="Book Antiqua"/>
+                <a:cs typeface="Book Antiqua"/>
+              </a:rPr>
+              <a:t> </a:t>
+            </a:r>
+            <a:r>
+              <a:rPr sz="1167" dirty="0">
+                <a:latin typeface="Book Antiqua"/>
+                <a:cs typeface="Book Antiqua"/>
+              </a:rPr>
+              <a:t>224  </a:t>
+            </a:r>
+            <a:r>
+              <a:rPr sz="1167" b="1" dirty="0">
+                <a:latin typeface="Book Antiqua"/>
+                <a:cs typeface="Book Antiqua"/>
+              </a:rPr>
+              <a:t>Lecture</a:t>
+            </a:r>
+            <a:r>
+              <a:rPr sz="1167" b="1" spc="-5" dirty="0">
+                <a:latin typeface="Book Antiqua"/>
+                <a:cs typeface="Book Antiqua"/>
+              </a:rPr>
+              <a:t> </a:t>
+            </a:r>
+            <a:r>
+              <a:rPr sz="1167" b="1" dirty="0">
+                <a:latin typeface="Book Antiqua"/>
+                <a:cs typeface="Book Antiqua"/>
+              </a:rPr>
+              <a:t>45:</a:t>
+            </a:r>
+            <a:r>
+              <a:rPr sz="1167" b="1" spc="-5" dirty="0">
+                <a:latin typeface="Book Antiqua"/>
+                <a:cs typeface="Book Antiqua"/>
+              </a:rPr>
+              <a:t> </a:t>
+            </a:r>
+            <a:r>
+              <a:rPr sz="1167" dirty="0">
+                <a:latin typeface="Book Antiqua"/>
+                <a:cs typeface="Book Antiqua"/>
+              </a:rPr>
+              <a:t>Summary 	227</a:t>
+            </a:r>
+            <a:endParaRPr sz="1167">
+              <a:latin typeface="Book Antiqua"/>
+              <a:cs typeface="Book Antiqua"/>
+            </a:endParaRPr>
+          </a:p>
+        </p:txBody>
+      </p:sp>
+      <p:sp>
+        <p:nvSpPr>
+          <p:cNvPr id="7" name="object 7"/>
+          <p:cNvSpPr/>
+          <p:nvPr/>
+        </p:nvSpPr>
+        <p:spPr>
+          <a:xfrm>
+            <a:off x="5911849" y="9717763"/>
+            <a:ext cx="370417" cy="0"/>
+          </a:xfrm>
+          <a:custGeom>
+            <a:avLst/>
+            <a:gdLst/>
+            <a:ahLst/>
+            <a:cxnLst/>
+            <a:rect l="l" t="t" r="r" b="b"/>
+            <a:pathLst>
+              <a:path w="381000">
+                <a:moveTo>
+                  <a:pt x="0" y="0"/>
+                </a:moveTo>
+                <a:lnTo>
+                  <a:pt x="381000" y="0"/>
+                </a:lnTo>
+              </a:path>
+            </a:pathLst>
+          </a:custGeom>
+          <a:ln w="6096">
+            <a:solidFill>
+              <a:srgbClr val="000000"/>
+            </a:solidFill>
+          </a:ln>
+        </p:spPr>
+        <p:txBody>
+          <a:bodyPr wrap="square" lIns="0" tIns="0" rIns="0" bIns="0" rtlCol="0"/>
+          <a:lstStyle/>
+          <a:p>
+            <a:endParaRPr sz="1750"/>
+          </a:p>
+        </p:txBody>
+      </p:sp>
+      <p:sp>
+        <p:nvSpPr>
+          <p:cNvPr id="8" name="object 8"/>
+          <p:cNvSpPr txBox="1"/>
+          <p:nvPr/>
+        </p:nvSpPr>
+        <p:spPr>
+          <a:xfrm>
+            <a:off x="2232378" y="9726800"/>
+            <a:ext cx="2578100" cy="166712"/>
+          </a:xfrm>
+          <a:prstGeom prst="rect">
+            <a:avLst/>
+          </a:prstGeom>
+        </p:spPr>
+        <p:txBody>
+          <a:bodyPr vert="horz" wrap="square" lIns="0" tIns="0" rIns="0" bIns="0" rtlCol="0">
+            <a:spAutoFit/>
+          </a:bodyPr>
+          <a:lstStyle/>
+          <a:p>
+            <a:pPr marL="12347">
+              <a:lnSpc>
+                <a:spcPts val="1269"/>
+              </a:lnSpc>
+            </a:pPr>
+            <a:r>
+              <a:rPr sz="1167" dirty="0">
+                <a:latin typeface="Times New Roman"/>
+                <a:cs typeface="Times New Roman"/>
+              </a:rPr>
+              <a:t>©</a:t>
+            </a:r>
+            <a:r>
+              <a:rPr sz="1167" spc="-39" dirty="0">
+                <a:latin typeface="Times New Roman"/>
+                <a:cs typeface="Times New Roman"/>
+              </a:rPr>
+              <a:t> </a:t>
+            </a:r>
+            <a:r>
+              <a:rPr sz="1167" dirty="0">
+                <a:latin typeface="Times New Roman"/>
+                <a:cs typeface="Times New Roman"/>
+              </a:rPr>
+              <a:t>Copyright</a:t>
+            </a:r>
+            <a:r>
+              <a:rPr sz="1167" spc="-68" dirty="0">
+                <a:latin typeface="Times New Roman"/>
+                <a:cs typeface="Times New Roman"/>
+              </a:rPr>
+              <a:t> </a:t>
+            </a:r>
+            <a:r>
+              <a:rPr sz="1167" dirty="0">
+                <a:latin typeface="Times New Roman"/>
+                <a:cs typeface="Times New Roman"/>
+              </a:rPr>
+              <a:t>Virtual</a:t>
+            </a:r>
+            <a:r>
+              <a:rPr sz="1167" spc="-58" dirty="0">
+                <a:latin typeface="Times New Roman"/>
+                <a:cs typeface="Times New Roman"/>
+              </a:rPr>
+              <a:t> </a:t>
+            </a:r>
+            <a:r>
+              <a:rPr sz="1167" dirty="0">
+                <a:latin typeface="Times New Roman"/>
+                <a:cs typeface="Times New Roman"/>
+              </a:rPr>
+              <a:t>University</a:t>
+            </a:r>
+            <a:r>
+              <a:rPr sz="1167" spc="-68" dirty="0">
+                <a:latin typeface="Times New Roman"/>
+                <a:cs typeface="Times New Roman"/>
+              </a:rPr>
+              <a:t> </a:t>
+            </a:r>
+            <a:r>
+              <a:rPr sz="1167" dirty="0">
+                <a:latin typeface="Times New Roman"/>
+                <a:cs typeface="Times New Roman"/>
+              </a:rPr>
+              <a:t>of</a:t>
+            </a:r>
+            <a:r>
+              <a:rPr sz="1167" spc="-24" dirty="0">
+                <a:latin typeface="Times New Roman"/>
+                <a:cs typeface="Times New Roman"/>
+              </a:rPr>
+              <a:t> </a:t>
+            </a:r>
+            <a:r>
+              <a:rPr sz="1167" dirty="0">
+                <a:latin typeface="Times New Roman"/>
+                <a:cs typeface="Times New Roman"/>
+              </a:rPr>
+              <a:t>Pakistan</a:t>
+            </a:r>
+            <a:endParaRPr sz="1167">
+              <a:latin typeface="Times New Roman"/>
+              <a:cs typeface="Times New Roman"/>
+            </a:endParaRPr>
+          </a:p>
+        </p:txBody>
+      </p:sp>
+    </p:spTree>
+    <p:extLst>
+      <p:ext uri="{BB962C8B-B14F-4D97-AF65-F5344CB8AC3E}">
+        <p14:creationId xmlns:p14="http://schemas.microsoft.com/office/powerpoint/2010/main" val="2216100702"/>
+      </p:ext>
+    </p:extLst>
+  </p:cSld>
+  <p:clrMapOvr>
+    <a:masterClrMapping/>
+  </p:clrMapOvr>
+</p:sld>
 </file>
 
 <file path=ppt/theme/theme1.xml><?xml version="1.0" encoding="utf-8"?>
